--- a/JeanPiaget/2019-2020/Cuarentena/Sexto - Clases Remotas/2-InferenciaProbabilística.pptx
+++ b/JeanPiaget/2019-2020/Cuarentena/Sexto - Clases Remotas/2-InferenciaProbabilística.pptx
@@ -319,7 +319,7 @@
           <a:p>
             <a:fld id="{7DEF6970-D186-49AA-A9AD-29EC23CF1F6B}" type="datetimeFigureOut">
               <a:rPr lang="es-MX" smtClean="0"/>
-              <a:t>15/04/2020</a:t>
+              <a:t>16/04/2020</a:t>
             </a:fld>
             <a:endParaRPr lang="es-MX"/>
           </a:p>
@@ -652,7 +652,7 @@
           <a:p>
             <a:fld id="{FCF291CE-1AA8-4088-B095-B807450AF6BD}" type="slidenum">
               <a:rPr lang="es-MX" smtClean="0"/>
-              <a:t>28</a:t>
+              <a:t>18</a:t>
             </a:fld>
             <a:endParaRPr lang="es-MX"/>
           </a:p>
@@ -661,7 +661,7 @@
     </p:spTree>
     <p:extLst>
       <p:ext uri="{BB962C8B-B14F-4D97-AF65-F5344CB8AC3E}">
-        <p14:creationId xmlns:p14="http://schemas.microsoft.com/office/powerpoint/2010/main" val="4116781451"/>
+        <p14:creationId xmlns:p14="http://schemas.microsoft.com/office/powerpoint/2010/main" val="4023654020"/>
       </p:ext>
     </p:extLst>
   </p:cSld>
@@ -736,6 +736,90 @@
           <a:p>
             <a:fld id="{FCF291CE-1AA8-4088-B095-B807450AF6BD}" type="slidenum">
               <a:rPr lang="es-MX" smtClean="0"/>
+              <a:t>28</a:t>
+            </a:fld>
+            <a:endParaRPr lang="es-MX"/>
+          </a:p>
+        </p:txBody>
+      </p:sp>
+    </p:spTree>
+    <p:extLst>
+      <p:ext uri="{BB962C8B-B14F-4D97-AF65-F5344CB8AC3E}">
+        <p14:creationId xmlns:p14="http://schemas.microsoft.com/office/powerpoint/2010/main" val="4116781451"/>
+      </p:ext>
+    </p:extLst>
+  </p:cSld>
+  <p:clrMapOvr>
+    <a:masterClrMapping/>
+  </p:clrMapOvr>
+</p:notes>
+</file>
+
+<file path=ppt/notesSlides/notesSlide3.xml><?xml version="1.0" encoding="utf-8"?>
+<p:notes xmlns:a="http://schemas.openxmlformats.org/drawingml/2006/main" xmlns:r="http://schemas.openxmlformats.org/officeDocument/2006/relationships" xmlns:p="http://schemas.openxmlformats.org/presentationml/2006/main">
+  <p:cSld>
+    <p:spTree>
+      <p:nvGrpSpPr>
+        <p:cNvPr id="1" name=""/>
+        <p:cNvGrpSpPr/>
+        <p:nvPr/>
+      </p:nvGrpSpPr>
+      <p:grpSpPr>
+        <a:xfrm>
+          <a:off x="0" y="0"/>
+          <a:ext cx="0" cy="0"/>
+          <a:chOff x="0" y="0"/>
+          <a:chExt cx="0" cy="0"/>
+        </a:xfrm>
+      </p:grpSpPr>
+      <p:sp>
+        <p:nvSpPr>
+          <p:cNvPr id="2" name="Marcador de imagen de diapositiva 1"/>
+          <p:cNvSpPr>
+            <a:spLocks noGrp="1" noRot="1" noChangeAspect="1"/>
+          </p:cNvSpPr>
+          <p:nvPr>
+            <p:ph type="sldImg"/>
+          </p:nvPr>
+        </p:nvSpPr>
+        <p:spPr/>
+      </p:sp>
+      <p:sp>
+        <p:nvSpPr>
+          <p:cNvPr id="3" name="Marcador de notas 2"/>
+          <p:cNvSpPr>
+            <a:spLocks noGrp="1"/>
+          </p:cNvSpPr>
+          <p:nvPr>
+            <p:ph type="body" idx="1"/>
+          </p:nvPr>
+        </p:nvSpPr>
+        <p:spPr/>
+        <p:txBody>
+          <a:bodyPr/>
+          <a:lstStyle/>
+          <a:p>
+            <a:endParaRPr lang="es-MX" dirty="0"/>
+          </a:p>
+        </p:txBody>
+      </p:sp>
+      <p:sp>
+        <p:nvSpPr>
+          <p:cNvPr id="4" name="Marcador de número de diapositiva 3"/>
+          <p:cNvSpPr>
+            <a:spLocks noGrp="1"/>
+          </p:cNvSpPr>
+          <p:nvPr>
+            <p:ph type="sldNum" sz="quarter" idx="5"/>
+          </p:nvPr>
+        </p:nvSpPr>
+        <p:spPr/>
+        <p:txBody>
+          <a:bodyPr/>
+          <a:lstStyle/>
+          <a:p>
+            <a:fld id="{FCF291CE-1AA8-4088-B095-B807450AF6BD}" type="slidenum">
+              <a:rPr lang="es-MX" smtClean="0"/>
               <a:t>39</a:t>
             </a:fld>
             <a:endParaRPr lang="es-MX"/>
@@ -755,7 +839,7 @@
 </p:notes>
 </file>
 
-<file path=ppt/notesSlides/notesSlide3.xml><?xml version="1.0" encoding="utf-8"?>
+<file path=ppt/notesSlides/notesSlide4.xml><?xml version="1.0" encoding="utf-8"?>
 <p:notes xmlns:a="http://schemas.openxmlformats.org/drawingml/2006/main" xmlns:r="http://schemas.openxmlformats.org/officeDocument/2006/relationships" xmlns:p="http://schemas.openxmlformats.org/presentationml/2006/main">
   <p:cSld>
     <p:spTree>
@@ -970,7 +1054,7 @@
           <a:p>
             <a:fld id="{2819CCF9-04DA-4DB1-9641-16B4E70840FB}" type="datetimeFigureOut">
               <a:rPr lang="es-MX" smtClean="0"/>
-              <a:t>15/04/2020</a:t>
+              <a:t>16/04/2020</a:t>
             </a:fld>
             <a:endParaRPr lang="es-MX"/>
           </a:p>
@@ -1140,7 +1224,7 @@
           <a:p>
             <a:fld id="{2819CCF9-04DA-4DB1-9641-16B4E70840FB}" type="datetimeFigureOut">
               <a:rPr lang="es-MX" smtClean="0"/>
-              <a:t>15/04/2020</a:t>
+              <a:t>16/04/2020</a:t>
             </a:fld>
             <a:endParaRPr lang="es-MX"/>
           </a:p>
@@ -1320,7 +1404,7 @@
           <a:p>
             <a:fld id="{2819CCF9-04DA-4DB1-9641-16B4E70840FB}" type="datetimeFigureOut">
               <a:rPr lang="es-MX" smtClean="0"/>
-              <a:t>15/04/2020</a:t>
+              <a:t>16/04/2020</a:t>
             </a:fld>
             <a:endParaRPr lang="es-MX"/>
           </a:p>
@@ -1490,7 +1574,7 @@
           <a:p>
             <a:fld id="{2819CCF9-04DA-4DB1-9641-16B4E70840FB}" type="datetimeFigureOut">
               <a:rPr lang="es-MX" smtClean="0"/>
-              <a:t>15/04/2020</a:t>
+              <a:t>16/04/2020</a:t>
             </a:fld>
             <a:endParaRPr lang="es-MX"/>
           </a:p>
@@ -1736,7 +1820,7 @@
           <a:p>
             <a:fld id="{2819CCF9-04DA-4DB1-9641-16B4E70840FB}" type="datetimeFigureOut">
               <a:rPr lang="es-MX" smtClean="0"/>
-              <a:t>15/04/2020</a:t>
+              <a:t>16/04/2020</a:t>
             </a:fld>
             <a:endParaRPr lang="es-MX"/>
           </a:p>
@@ -1968,7 +2052,7 @@
           <a:p>
             <a:fld id="{2819CCF9-04DA-4DB1-9641-16B4E70840FB}" type="datetimeFigureOut">
               <a:rPr lang="es-MX" smtClean="0"/>
-              <a:t>15/04/2020</a:t>
+              <a:t>16/04/2020</a:t>
             </a:fld>
             <a:endParaRPr lang="es-MX"/>
           </a:p>
@@ -2335,7 +2419,7 @@
           <a:p>
             <a:fld id="{2819CCF9-04DA-4DB1-9641-16B4E70840FB}" type="datetimeFigureOut">
               <a:rPr lang="es-MX" smtClean="0"/>
-              <a:t>15/04/2020</a:t>
+              <a:t>16/04/2020</a:t>
             </a:fld>
             <a:endParaRPr lang="es-MX"/>
           </a:p>
@@ -2453,7 +2537,7 @@
           <a:p>
             <a:fld id="{2819CCF9-04DA-4DB1-9641-16B4E70840FB}" type="datetimeFigureOut">
               <a:rPr lang="es-MX" smtClean="0"/>
-              <a:t>15/04/2020</a:t>
+              <a:t>16/04/2020</a:t>
             </a:fld>
             <a:endParaRPr lang="es-MX"/>
           </a:p>
@@ -2548,7 +2632,7 @@
           <a:p>
             <a:fld id="{2819CCF9-04DA-4DB1-9641-16B4E70840FB}" type="datetimeFigureOut">
               <a:rPr lang="es-MX" smtClean="0"/>
-              <a:t>15/04/2020</a:t>
+              <a:t>16/04/2020</a:t>
             </a:fld>
             <a:endParaRPr lang="es-MX"/>
           </a:p>
@@ -2825,7 +2909,7 @@
           <a:p>
             <a:fld id="{2819CCF9-04DA-4DB1-9641-16B4E70840FB}" type="datetimeFigureOut">
               <a:rPr lang="es-MX" smtClean="0"/>
-              <a:t>15/04/2020</a:t>
+              <a:t>16/04/2020</a:t>
             </a:fld>
             <a:endParaRPr lang="es-MX"/>
           </a:p>
@@ -3078,7 +3162,7 @@
           <a:p>
             <a:fld id="{2819CCF9-04DA-4DB1-9641-16B4E70840FB}" type="datetimeFigureOut">
               <a:rPr lang="es-MX" smtClean="0"/>
-              <a:t>15/04/2020</a:t>
+              <a:t>16/04/2020</a:t>
             </a:fld>
             <a:endParaRPr lang="es-MX"/>
           </a:p>
@@ -3291,7 +3375,7 @@
           <a:p>
             <a:fld id="{2819CCF9-04DA-4DB1-9641-16B4E70840FB}" type="datetimeFigureOut">
               <a:rPr lang="es-MX" smtClean="0"/>
-              <a:t>15/04/2020</a:t>
+              <a:t>16/04/2020</a:t>
             </a:fld>
             <a:endParaRPr lang="es-MX"/>
           </a:p>
@@ -3964,8 +4048,8 @@
           </a:p>
         </p:txBody>
       </p:sp>
-      <mc:AlternateContent xmlns:mc="http://schemas.openxmlformats.org/markup-compatibility/2006">
-        <mc:Choice xmlns:a14="http://schemas.microsoft.com/office/drawing/2010/main" Requires="a14">
+      <mc:AlternateContent xmlns:mc="http://schemas.openxmlformats.org/markup-compatibility/2006" xmlns:a14="http://schemas.microsoft.com/office/drawing/2010/main">
+        <mc:Choice Requires="a14">
           <p:sp>
             <p:nvSpPr>
               <p:cNvPr id="7" name="CuadroTexto 6">
@@ -4019,7 +4103,7 @@
             </p:txBody>
           </p:sp>
         </mc:Choice>
-        <mc:Fallback>
+        <mc:Fallback xmlns="">
           <p:sp>
             <p:nvSpPr>
               <p:cNvPr id="7" name="CuadroTexto 6">
@@ -5792,357 +5876,6 @@
       </p:sp>
       <p:sp>
         <p:nvSpPr>
-          <p:cNvPr id="21" name="CuadroTexto 20">
-            <a:extLst>
-              <a:ext uri="{FF2B5EF4-FFF2-40B4-BE49-F238E27FC236}">
-                <a16:creationId xmlns:a16="http://schemas.microsoft.com/office/drawing/2014/main" id="{1D6EFFC7-5948-4BAA-8F5A-059472DD62A1}"/>
-              </a:ext>
-            </a:extLst>
-          </p:cNvPr>
-          <p:cNvSpPr txBox="1"/>
-          <p:nvPr/>
-        </p:nvSpPr>
-        <p:spPr>
-          <a:xfrm>
-            <a:off x="8128068" y="1899793"/>
-            <a:ext cx="417251" cy="369332"/>
-          </a:xfrm>
-          <a:prstGeom prst="rect">
-            <a:avLst/>
-          </a:prstGeom>
-          <a:noFill/>
-        </p:spPr>
-        <p:txBody>
-          <a:bodyPr wrap="square" rtlCol="0">
-            <a:spAutoFit/>
-          </a:bodyPr>
-          <a:lstStyle/>
-          <a:p>
-            <a:r>
-              <a:rPr lang="es-MX" dirty="0">
-                <a:solidFill>
-                  <a:srgbClr val="00B050"/>
-                </a:solidFill>
-              </a:rPr>
-              <a:t>45</a:t>
-            </a:r>
-          </a:p>
-        </p:txBody>
-      </p:sp>
-      <p:sp>
-        <p:nvSpPr>
-          <p:cNvPr id="22" name="CuadroTexto 21">
-            <a:extLst>
-              <a:ext uri="{FF2B5EF4-FFF2-40B4-BE49-F238E27FC236}">
-                <a16:creationId xmlns:a16="http://schemas.microsoft.com/office/drawing/2014/main" id="{22489C16-8BA5-4E96-BEC3-31E6718FD201}"/>
-              </a:ext>
-            </a:extLst>
-          </p:cNvPr>
-          <p:cNvSpPr txBox="1"/>
-          <p:nvPr/>
-        </p:nvSpPr>
-        <p:spPr>
-          <a:xfrm>
-            <a:off x="8341132" y="3619803"/>
-            <a:ext cx="417251" cy="369332"/>
-          </a:xfrm>
-          <a:prstGeom prst="rect">
-            <a:avLst/>
-          </a:prstGeom>
-          <a:noFill/>
-        </p:spPr>
-        <p:txBody>
-          <a:bodyPr wrap="square" rtlCol="0">
-            <a:spAutoFit/>
-          </a:bodyPr>
-          <a:lstStyle/>
-          <a:p>
-            <a:r>
-              <a:rPr lang="es-MX" dirty="0">
-                <a:solidFill>
-                  <a:srgbClr val="00B050"/>
-                </a:solidFill>
-              </a:rPr>
-              <a:t>83</a:t>
-            </a:r>
-          </a:p>
-        </p:txBody>
-      </p:sp>
-      <p:sp>
-        <p:nvSpPr>
-          <p:cNvPr id="23" name="CuadroTexto 22">
-            <a:extLst>
-              <a:ext uri="{FF2B5EF4-FFF2-40B4-BE49-F238E27FC236}">
-                <a16:creationId xmlns:a16="http://schemas.microsoft.com/office/drawing/2014/main" id="{9140F7BD-7D89-4730-9161-C309F43EA7AB}"/>
-              </a:ext>
-            </a:extLst>
-          </p:cNvPr>
-          <p:cNvSpPr txBox="1"/>
-          <p:nvPr/>
-        </p:nvSpPr>
-        <p:spPr>
-          <a:xfrm>
-            <a:off x="10029369" y="2434900"/>
-            <a:ext cx="417251" cy="369332"/>
-          </a:xfrm>
-          <a:prstGeom prst="rect">
-            <a:avLst/>
-          </a:prstGeom>
-          <a:noFill/>
-        </p:spPr>
-        <p:txBody>
-          <a:bodyPr wrap="square" rtlCol="0">
-            <a:spAutoFit/>
-          </a:bodyPr>
-          <a:lstStyle/>
-          <a:p>
-            <a:r>
-              <a:rPr lang="es-MX" dirty="0">
-                <a:solidFill>
-                  <a:srgbClr val="00B050"/>
-                </a:solidFill>
-              </a:rPr>
-              <a:t>13</a:t>
-            </a:r>
-          </a:p>
-        </p:txBody>
-      </p:sp>
-      <p:sp>
-        <p:nvSpPr>
-          <p:cNvPr id="24" name="CuadroTexto 23">
-            <a:extLst>
-              <a:ext uri="{FF2B5EF4-FFF2-40B4-BE49-F238E27FC236}">
-                <a16:creationId xmlns:a16="http://schemas.microsoft.com/office/drawing/2014/main" id="{E2686CF0-EB30-497E-B5ED-0EBBF7F1A8AC}"/>
-              </a:ext>
-            </a:extLst>
-          </p:cNvPr>
-          <p:cNvSpPr txBox="1"/>
-          <p:nvPr/>
-        </p:nvSpPr>
-        <p:spPr>
-          <a:xfrm>
-            <a:off x="9931714" y="4697739"/>
-            <a:ext cx="417251" cy="369332"/>
-          </a:xfrm>
-          <a:prstGeom prst="rect">
-            <a:avLst/>
-          </a:prstGeom>
-          <a:noFill/>
-        </p:spPr>
-        <p:txBody>
-          <a:bodyPr wrap="square" rtlCol="0">
-            <a:spAutoFit/>
-          </a:bodyPr>
-          <a:lstStyle/>
-          <a:p>
-            <a:r>
-              <a:rPr lang="es-MX" dirty="0">
-                <a:solidFill>
-                  <a:srgbClr val="00B050"/>
-                </a:solidFill>
-              </a:rPr>
-              <a:t>3</a:t>
-            </a:r>
-          </a:p>
-        </p:txBody>
-      </p:sp>
-      <p:sp>
-        <p:nvSpPr>
-          <p:cNvPr id="25" name="CuadroTexto 24">
-            <a:extLst>
-              <a:ext uri="{FF2B5EF4-FFF2-40B4-BE49-F238E27FC236}">
-                <a16:creationId xmlns:a16="http://schemas.microsoft.com/office/drawing/2014/main" id="{72EE76D0-5D2E-4B9A-AC10-1A6A5FD48D50}"/>
-              </a:ext>
-            </a:extLst>
-          </p:cNvPr>
-          <p:cNvSpPr txBox="1"/>
-          <p:nvPr/>
-        </p:nvSpPr>
-        <p:spPr>
-          <a:xfrm>
-            <a:off x="9123739" y="3041750"/>
-            <a:ext cx="673331" cy="369332"/>
-          </a:xfrm>
-          <a:prstGeom prst="rect">
-            <a:avLst/>
-          </a:prstGeom>
-          <a:noFill/>
-        </p:spPr>
-        <p:txBody>
-          <a:bodyPr wrap="square" rtlCol="0">
-            <a:spAutoFit/>
-          </a:bodyPr>
-          <a:lstStyle/>
-          <a:p>
-            <a:r>
-              <a:rPr lang="es-MX" dirty="0">
-                <a:solidFill>
-                  <a:srgbClr val="00B050"/>
-                </a:solidFill>
-              </a:rPr>
-              <a:t>11</a:t>
-            </a:r>
-          </a:p>
-        </p:txBody>
-      </p:sp>
-      <p:sp>
-        <p:nvSpPr>
-          <p:cNvPr id="26" name="CuadroTexto 25">
-            <a:extLst>
-              <a:ext uri="{FF2B5EF4-FFF2-40B4-BE49-F238E27FC236}">
-                <a16:creationId xmlns:a16="http://schemas.microsoft.com/office/drawing/2014/main" id="{88DE60E9-7A7F-411C-9E42-D346BFE62E84}"/>
-              </a:ext>
-            </a:extLst>
-          </p:cNvPr>
-          <p:cNvSpPr txBox="1"/>
-          <p:nvPr/>
-        </p:nvSpPr>
-        <p:spPr>
-          <a:xfrm>
-            <a:off x="7222545" y="2764751"/>
-            <a:ext cx="417251" cy="369332"/>
-          </a:xfrm>
-          <a:prstGeom prst="rect">
-            <a:avLst/>
-          </a:prstGeom>
-          <a:noFill/>
-        </p:spPr>
-        <p:txBody>
-          <a:bodyPr wrap="square" rtlCol="0">
-            <a:spAutoFit/>
-          </a:bodyPr>
-          <a:lstStyle/>
-          <a:p>
-            <a:r>
-              <a:rPr lang="es-MX" dirty="0">
-                <a:solidFill>
-                  <a:srgbClr val="00B050"/>
-                </a:solidFill>
-              </a:rPr>
-              <a:t>1</a:t>
-            </a:r>
-          </a:p>
-        </p:txBody>
-      </p:sp>
-      <p:sp>
-        <p:nvSpPr>
-          <p:cNvPr id="27" name="CuadroTexto 26">
-            <a:extLst>
-              <a:ext uri="{FF2B5EF4-FFF2-40B4-BE49-F238E27FC236}">
-                <a16:creationId xmlns:a16="http://schemas.microsoft.com/office/drawing/2014/main" id="{0FFCFCBE-80DB-4A1C-9D4A-D88FE0CE5F49}"/>
-              </a:ext>
-            </a:extLst>
-          </p:cNvPr>
-          <p:cNvSpPr txBox="1"/>
-          <p:nvPr/>
-        </p:nvSpPr>
-        <p:spPr>
-          <a:xfrm>
-            <a:off x="7639796" y="4530459"/>
-            <a:ext cx="648772" cy="369332"/>
-          </a:xfrm>
-          <a:prstGeom prst="rect">
-            <a:avLst/>
-          </a:prstGeom>
-          <a:noFill/>
-        </p:spPr>
-        <p:txBody>
-          <a:bodyPr wrap="square" rtlCol="0">
-            <a:spAutoFit/>
-          </a:bodyPr>
-          <a:lstStyle/>
-          <a:p>
-            <a:r>
-              <a:rPr lang="es-MX" dirty="0">
-                <a:solidFill>
-                  <a:srgbClr val="00B050"/>
-                </a:solidFill>
-              </a:rPr>
-              <a:t>121</a:t>
-            </a:r>
-          </a:p>
-        </p:txBody>
-      </p:sp>
-      <p:sp>
-        <p:nvSpPr>
-          <p:cNvPr id="28" name="CuadroTexto 27">
-            <a:extLst>
-              <a:ext uri="{FF2B5EF4-FFF2-40B4-BE49-F238E27FC236}">
-                <a16:creationId xmlns:a16="http://schemas.microsoft.com/office/drawing/2014/main" id="{C7793DCD-4B1A-4074-B717-9C76984C84B2}"/>
-              </a:ext>
-            </a:extLst>
-          </p:cNvPr>
-          <p:cNvSpPr txBox="1"/>
-          <p:nvPr/>
-        </p:nvSpPr>
-        <p:spPr>
-          <a:xfrm>
-            <a:off x="8910081" y="5283341"/>
-            <a:ext cx="417251" cy="369332"/>
-          </a:xfrm>
-          <a:prstGeom prst="rect">
-            <a:avLst/>
-          </a:prstGeom>
-          <a:noFill/>
-        </p:spPr>
-        <p:txBody>
-          <a:bodyPr wrap="square" rtlCol="0">
-            <a:spAutoFit/>
-          </a:bodyPr>
-          <a:lstStyle/>
-          <a:p>
-            <a:r>
-              <a:rPr lang="es-MX" dirty="0">
-                <a:solidFill>
-                  <a:srgbClr val="00B050"/>
-                </a:solidFill>
-              </a:rPr>
-              <a:t>9</a:t>
-            </a:r>
-          </a:p>
-        </p:txBody>
-      </p:sp>
-      <p:sp>
-        <p:nvSpPr>
-          <p:cNvPr id="29" name="CuadroTexto 28">
-            <a:extLst>
-              <a:ext uri="{FF2B5EF4-FFF2-40B4-BE49-F238E27FC236}">
-                <a16:creationId xmlns:a16="http://schemas.microsoft.com/office/drawing/2014/main" id="{9C183DB6-705F-4571-9F09-C452239F971F}"/>
-              </a:ext>
-            </a:extLst>
-          </p:cNvPr>
-          <p:cNvSpPr txBox="1"/>
-          <p:nvPr/>
-        </p:nvSpPr>
-        <p:spPr>
-          <a:xfrm>
-            <a:off x="9514463" y="882283"/>
-            <a:ext cx="417251" cy="369332"/>
-          </a:xfrm>
-          <a:prstGeom prst="rect">
-            <a:avLst/>
-          </a:prstGeom>
-          <a:noFill/>
-        </p:spPr>
-        <p:txBody>
-          <a:bodyPr wrap="square" rtlCol="0">
-            <a:spAutoFit/>
-          </a:bodyPr>
-          <a:lstStyle/>
-          <a:p>
-            <a:r>
-              <a:rPr lang="es-MX" dirty="0">
-                <a:solidFill>
-                  <a:srgbClr val="00B050"/>
-                </a:solidFill>
-              </a:rPr>
-              <a:t>7</a:t>
-            </a:r>
-          </a:p>
-        </p:txBody>
-      </p:sp>
-      <p:sp>
-        <p:nvSpPr>
           <p:cNvPr id="30" name="CuadroTexto 29">
             <a:extLst>
               <a:ext uri="{FF2B5EF4-FFF2-40B4-BE49-F238E27FC236}">
@@ -6172,6 +5905,357 @@
             <a:r>
               <a:rPr lang="es-MX" dirty="0"/>
               <a:t>2</a:t>
+            </a:r>
+          </a:p>
+        </p:txBody>
+      </p:sp>
+      <p:sp>
+        <p:nvSpPr>
+          <p:cNvPr id="40" name="CuadroTexto 39">
+            <a:extLst>
+              <a:ext uri="{FF2B5EF4-FFF2-40B4-BE49-F238E27FC236}">
+                <a16:creationId xmlns:a16="http://schemas.microsoft.com/office/drawing/2014/main" id="{87C7478A-0EAF-44CA-A776-29881694E50D}"/>
+              </a:ext>
+            </a:extLst>
+          </p:cNvPr>
+          <p:cNvSpPr txBox="1"/>
+          <p:nvPr/>
+        </p:nvSpPr>
+        <p:spPr>
+          <a:xfrm>
+            <a:off x="8128068" y="1899793"/>
+            <a:ext cx="417251" cy="369332"/>
+          </a:xfrm>
+          <a:prstGeom prst="rect">
+            <a:avLst/>
+          </a:prstGeom>
+          <a:noFill/>
+        </p:spPr>
+        <p:txBody>
+          <a:bodyPr wrap="square" rtlCol="0">
+            <a:spAutoFit/>
+          </a:bodyPr>
+          <a:lstStyle/>
+          <a:p>
+            <a:r>
+              <a:rPr lang="es-MX" dirty="0">
+                <a:solidFill>
+                  <a:srgbClr val="00B050"/>
+                </a:solidFill>
+              </a:rPr>
+              <a:t>17</a:t>
+            </a:r>
+          </a:p>
+        </p:txBody>
+      </p:sp>
+      <p:sp>
+        <p:nvSpPr>
+          <p:cNvPr id="41" name="CuadroTexto 40">
+            <a:extLst>
+              <a:ext uri="{FF2B5EF4-FFF2-40B4-BE49-F238E27FC236}">
+                <a16:creationId xmlns:a16="http://schemas.microsoft.com/office/drawing/2014/main" id="{6C953DD5-9BCF-4F8C-9FF5-47ABC2FB4CF2}"/>
+              </a:ext>
+            </a:extLst>
+          </p:cNvPr>
+          <p:cNvSpPr txBox="1"/>
+          <p:nvPr/>
+        </p:nvSpPr>
+        <p:spPr>
+          <a:xfrm>
+            <a:off x="8341132" y="3619803"/>
+            <a:ext cx="417251" cy="369332"/>
+          </a:xfrm>
+          <a:prstGeom prst="rect">
+            <a:avLst/>
+          </a:prstGeom>
+          <a:noFill/>
+        </p:spPr>
+        <p:txBody>
+          <a:bodyPr wrap="square" rtlCol="0">
+            <a:spAutoFit/>
+          </a:bodyPr>
+          <a:lstStyle/>
+          <a:p>
+            <a:r>
+              <a:rPr lang="es-MX" dirty="0">
+                <a:solidFill>
+                  <a:srgbClr val="00B050"/>
+                </a:solidFill>
+              </a:rPr>
+              <a:t>19</a:t>
+            </a:r>
+          </a:p>
+        </p:txBody>
+      </p:sp>
+      <p:sp>
+        <p:nvSpPr>
+          <p:cNvPr id="42" name="CuadroTexto 41">
+            <a:extLst>
+              <a:ext uri="{FF2B5EF4-FFF2-40B4-BE49-F238E27FC236}">
+                <a16:creationId xmlns:a16="http://schemas.microsoft.com/office/drawing/2014/main" id="{1E71E1C1-DFE8-405A-A1F8-D9D7E2633E0F}"/>
+              </a:ext>
+            </a:extLst>
+          </p:cNvPr>
+          <p:cNvSpPr txBox="1"/>
+          <p:nvPr/>
+        </p:nvSpPr>
+        <p:spPr>
+          <a:xfrm>
+            <a:off x="10029369" y="2434900"/>
+            <a:ext cx="417251" cy="369332"/>
+          </a:xfrm>
+          <a:prstGeom prst="rect">
+            <a:avLst/>
+          </a:prstGeom>
+          <a:noFill/>
+        </p:spPr>
+        <p:txBody>
+          <a:bodyPr wrap="square" rtlCol="0">
+            <a:spAutoFit/>
+          </a:bodyPr>
+          <a:lstStyle/>
+          <a:p>
+            <a:r>
+              <a:rPr lang="es-MX" dirty="0">
+                <a:solidFill>
+                  <a:srgbClr val="00B050"/>
+                </a:solidFill>
+              </a:rPr>
+              <a:t>13</a:t>
+            </a:r>
+          </a:p>
+        </p:txBody>
+      </p:sp>
+      <p:sp>
+        <p:nvSpPr>
+          <p:cNvPr id="43" name="CuadroTexto 42">
+            <a:extLst>
+              <a:ext uri="{FF2B5EF4-FFF2-40B4-BE49-F238E27FC236}">
+                <a16:creationId xmlns:a16="http://schemas.microsoft.com/office/drawing/2014/main" id="{E2320049-EF52-4250-A388-39F8CEC8B6D1}"/>
+              </a:ext>
+            </a:extLst>
+          </p:cNvPr>
+          <p:cNvSpPr txBox="1"/>
+          <p:nvPr/>
+        </p:nvSpPr>
+        <p:spPr>
+          <a:xfrm>
+            <a:off x="9931714" y="4697739"/>
+            <a:ext cx="417251" cy="369332"/>
+          </a:xfrm>
+          <a:prstGeom prst="rect">
+            <a:avLst/>
+          </a:prstGeom>
+          <a:noFill/>
+        </p:spPr>
+        <p:txBody>
+          <a:bodyPr wrap="square" rtlCol="0">
+            <a:spAutoFit/>
+          </a:bodyPr>
+          <a:lstStyle/>
+          <a:p>
+            <a:r>
+              <a:rPr lang="es-MX" dirty="0">
+                <a:solidFill>
+                  <a:srgbClr val="00B050"/>
+                </a:solidFill>
+              </a:rPr>
+              <a:t>3</a:t>
+            </a:r>
+          </a:p>
+        </p:txBody>
+      </p:sp>
+      <p:sp>
+        <p:nvSpPr>
+          <p:cNvPr id="44" name="CuadroTexto 43">
+            <a:extLst>
+              <a:ext uri="{FF2B5EF4-FFF2-40B4-BE49-F238E27FC236}">
+                <a16:creationId xmlns:a16="http://schemas.microsoft.com/office/drawing/2014/main" id="{5CC7DE0F-FDB6-4E9E-9BD8-FD0144C73E34}"/>
+              </a:ext>
+            </a:extLst>
+          </p:cNvPr>
+          <p:cNvSpPr txBox="1"/>
+          <p:nvPr/>
+        </p:nvSpPr>
+        <p:spPr>
+          <a:xfrm>
+            <a:off x="9123739" y="3041750"/>
+            <a:ext cx="673331" cy="369332"/>
+          </a:xfrm>
+          <a:prstGeom prst="rect">
+            <a:avLst/>
+          </a:prstGeom>
+          <a:noFill/>
+        </p:spPr>
+        <p:txBody>
+          <a:bodyPr wrap="square" rtlCol="0">
+            <a:spAutoFit/>
+          </a:bodyPr>
+          <a:lstStyle/>
+          <a:p>
+            <a:r>
+              <a:rPr lang="es-MX" dirty="0">
+                <a:solidFill>
+                  <a:srgbClr val="00B050"/>
+                </a:solidFill>
+              </a:rPr>
+              <a:t>11</a:t>
+            </a:r>
+          </a:p>
+        </p:txBody>
+      </p:sp>
+      <p:sp>
+        <p:nvSpPr>
+          <p:cNvPr id="45" name="CuadroTexto 44">
+            <a:extLst>
+              <a:ext uri="{FF2B5EF4-FFF2-40B4-BE49-F238E27FC236}">
+                <a16:creationId xmlns:a16="http://schemas.microsoft.com/office/drawing/2014/main" id="{D8E68CF9-821F-4FBE-B73B-A8C3B7F8BB82}"/>
+              </a:ext>
+            </a:extLst>
+          </p:cNvPr>
+          <p:cNvSpPr txBox="1"/>
+          <p:nvPr/>
+        </p:nvSpPr>
+        <p:spPr>
+          <a:xfrm>
+            <a:off x="7222545" y="2764751"/>
+            <a:ext cx="417251" cy="369332"/>
+          </a:xfrm>
+          <a:prstGeom prst="rect">
+            <a:avLst/>
+          </a:prstGeom>
+          <a:noFill/>
+        </p:spPr>
+        <p:txBody>
+          <a:bodyPr wrap="square" rtlCol="0">
+            <a:spAutoFit/>
+          </a:bodyPr>
+          <a:lstStyle/>
+          <a:p>
+            <a:r>
+              <a:rPr lang="es-MX" dirty="0">
+                <a:solidFill>
+                  <a:srgbClr val="00B050"/>
+                </a:solidFill>
+              </a:rPr>
+              <a:t>23</a:t>
+            </a:r>
+          </a:p>
+        </p:txBody>
+      </p:sp>
+      <p:sp>
+        <p:nvSpPr>
+          <p:cNvPr id="46" name="CuadroTexto 45">
+            <a:extLst>
+              <a:ext uri="{FF2B5EF4-FFF2-40B4-BE49-F238E27FC236}">
+                <a16:creationId xmlns:a16="http://schemas.microsoft.com/office/drawing/2014/main" id="{3DFCC4F2-73B8-43B5-AB00-CC1057CB306A}"/>
+              </a:ext>
+            </a:extLst>
+          </p:cNvPr>
+          <p:cNvSpPr txBox="1"/>
+          <p:nvPr/>
+        </p:nvSpPr>
+        <p:spPr>
+          <a:xfrm>
+            <a:off x="7639796" y="4530459"/>
+            <a:ext cx="648772" cy="369332"/>
+          </a:xfrm>
+          <a:prstGeom prst="rect">
+            <a:avLst/>
+          </a:prstGeom>
+          <a:noFill/>
+        </p:spPr>
+        <p:txBody>
+          <a:bodyPr wrap="square" rtlCol="0">
+            <a:spAutoFit/>
+          </a:bodyPr>
+          <a:lstStyle/>
+          <a:p>
+            <a:r>
+              <a:rPr lang="es-MX" dirty="0">
+                <a:solidFill>
+                  <a:srgbClr val="00B050"/>
+                </a:solidFill>
+              </a:rPr>
+              <a:t>5</a:t>
+            </a:r>
+          </a:p>
+        </p:txBody>
+      </p:sp>
+      <p:sp>
+        <p:nvSpPr>
+          <p:cNvPr id="47" name="CuadroTexto 46">
+            <a:extLst>
+              <a:ext uri="{FF2B5EF4-FFF2-40B4-BE49-F238E27FC236}">
+                <a16:creationId xmlns:a16="http://schemas.microsoft.com/office/drawing/2014/main" id="{3A389980-4A8D-4132-8EAD-6DBCFD9A8967}"/>
+              </a:ext>
+            </a:extLst>
+          </p:cNvPr>
+          <p:cNvSpPr txBox="1"/>
+          <p:nvPr/>
+        </p:nvSpPr>
+        <p:spPr>
+          <a:xfrm>
+            <a:off x="8910081" y="5283341"/>
+            <a:ext cx="417251" cy="369332"/>
+          </a:xfrm>
+          <a:prstGeom prst="rect">
+            <a:avLst/>
+          </a:prstGeom>
+          <a:noFill/>
+        </p:spPr>
+        <p:txBody>
+          <a:bodyPr wrap="square" rtlCol="0">
+            <a:spAutoFit/>
+          </a:bodyPr>
+          <a:lstStyle/>
+          <a:p>
+            <a:r>
+              <a:rPr lang="es-MX" dirty="0">
+                <a:solidFill>
+                  <a:srgbClr val="00B050"/>
+                </a:solidFill>
+              </a:rPr>
+              <a:t>29</a:t>
+            </a:r>
+          </a:p>
+        </p:txBody>
+      </p:sp>
+      <p:sp>
+        <p:nvSpPr>
+          <p:cNvPr id="48" name="CuadroTexto 47">
+            <a:extLst>
+              <a:ext uri="{FF2B5EF4-FFF2-40B4-BE49-F238E27FC236}">
+                <a16:creationId xmlns:a16="http://schemas.microsoft.com/office/drawing/2014/main" id="{C2157E61-78A1-493E-B7D2-82DDFC7905AC}"/>
+              </a:ext>
+            </a:extLst>
+          </p:cNvPr>
+          <p:cNvSpPr txBox="1"/>
+          <p:nvPr/>
+        </p:nvSpPr>
+        <p:spPr>
+          <a:xfrm>
+            <a:off x="9514463" y="882283"/>
+            <a:ext cx="417251" cy="369332"/>
+          </a:xfrm>
+          <a:prstGeom prst="rect">
+            <a:avLst/>
+          </a:prstGeom>
+          <a:noFill/>
+        </p:spPr>
+        <p:txBody>
+          <a:bodyPr wrap="square" rtlCol="0">
+            <a:spAutoFit/>
+          </a:bodyPr>
+          <a:lstStyle/>
+          <a:p>
+            <a:r>
+              <a:rPr lang="es-MX" dirty="0">
+                <a:solidFill>
+                  <a:srgbClr val="00B050"/>
+                </a:solidFill>
+              </a:rPr>
+              <a:t>7</a:t>
             </a:r>
           </a:p>
         </p:txBody>
@@ -6540,7 +6624,7 @@
                             </p:stCondLst>
                             <p:childTnLst>
                               <p:par>
-                                <p:cTn id="34" presetID="16" presetClass="entr" presetSubtype="21" fill="hold" grpId="0" nodeType="clickEffect">
+                                <p:cTn id="34" presetID="1" presetClass="entr" presetSubtype="0" fill="hold" grpId="0" nodeType="clickEffect">
                                   <p:stCondLst>
                                     <p:cond delay="0"/>
                                   </p:stCondLst>
@@ -6553,7 +6637,7 @@
                                           </p:stCondLst>
                                         </p:cTn>
                                         <p:tgtEl>
-                                          <p:spTgt spid="21"/>
+                                          <p:spTgt spid="40"/>
                                         </p:tgtEl>
                                         <p:attrNameLst>
                                           <p:attrName>style.visibility</p:attrName>
@@ -6563,32 +6647,24 @@
                                         <p:strVal val="visible"/>
                                       </p:to>
                                     </p:set>
-                                    <p:animEffect transition="in" filter="barn(inVertical)">
-                                      <p:cBhvr>
-                                        <p:cTn id="36" dur="500"/>
-                                        <p:tgtEl>
-                                          <p:spTgt spid="21"/>
-                                        </p:tgtEl>
-                                      </p:cBhvr>
-                                    </p:animEffect>
                                   </p:childTnLst>
                                 </p:cTn>
                               </p:par>
                               <p:par>
-                                <p:cTn id="37" presetID="16" presetClass="entr" presetSubtype="21" fill="hold" grpId="0" nodeType="withEffect">
+                                <p:cTn id="36" presetID="1" presetClass="entr" presetSubtype="0" fill="hold" grpId="0" nodeType="withEffect">
                                   <p:stCondLst>
                                     <p:cond delay="0"/>
                                   </p:stCondLst>
                                   <p:childTnLst>
                                     <p:set>
                                       <p:cBhvr>
-                                        <p:cTn id="38" dur="1" fill="hold">
+                                        <p:cTn id="37" dur="1" fill="hold">
                                           <p:stCondLst>
                                             <p:cond delay="0"/>
                                           </p:stCondLst>
                                         </p:cTn>
                                         <p:tgtEl>
-                                          <p:spTgt spid="26"/>
+                                          <p:spTgt spid="41"/>
                                         </p:tgtEl>
                                         <p:attrNameLst>
                                           <p:attrName>style.visibility</p:attrName>
@@ -6598,19 +6674,38 @@
                                         <p:strVal val="visible"/>
                                       </p:to>
                                     </p:set>
-                                    <p:animEffect transition="in" filter="barn(inVertical)">
-                                      <p:cBhvr>
-                                        <p:cTn id="39" dur="500"/>
-                                        <p:tgtEl>
-                                          <p:spTgt spid="26"/>
-                                        </p:tgtEl>
-                                      </p:cBhvr>
-                                    </p:animEffect>
                                   </p:childTnLst>
                                 </p:cTn>
                               </p:par>
                               <p:par>
-                                <p:cTn id="40" presetID="16" presetClass="entr" presetSubtype="21" fill="hold" grpId="0" nodeType="withEffect">
+                                <p:cTn id="38" presetID="1" presetClass="entr" presetSubtype="0" fill="hold" grpId="0" nodeType="withEffect">
+                                  <p:stCondLst>
+                                    <p:cond delay="0"/>
+                                  </p:stCondLst>
+                                  <p:childTnLst>
+                                    <p:set>
+                                      <p:cBhvr>
+                                        <p:cTn id="39" dur="1" fill="hold">
+                                          <p:stCondLst>
+                                            <p:cond delay="0"/>
+                                          </p:stCondLst>
+                                        </p:cTn>
+                                        <p:tgtEl>
+                                          <p:spTgt spid="42"/>
+                                        </p:tgtEl>
+                                        <p:attrNameLst>
+                                          <p:attrName>style.visibility</p:attrName>
+                                        </p:attrNameLst>
+                                      </p:cBhvr>
+                                      <p:to>
+                                        <p:strVal val="visible"/>
+                                      </p:to>
+                                    </p:set>
+                                  </p:childTnLst>
+                                </p:cTn>
+                              </p:par>
+                              <p:par>
+                                <p:cTn id="40" presetID="1" presetClass="entr" presetSubtype="0" fill="hold" grpId="0" nodeType="withEffect">
                                   <p:stCondLst>
                                     <p:cond delay="0"/>
                                   </p:stCondLst>
@@ -6623,7 +6718,7 @@
                                           </p:stCondLst>
                                         </p:cTn>
                                         <p:tgtEl>
-                                          <p:spTgt spid="27"/>
+                                          <p:spTgt spid="43"/>
                                         </p:tgtEl>
                                         <p:attrNameLst>
                                           <p:attrName>style.visibility</p:attrName>
@@ -6633,32 +6728,24 @@
                                         <p:strVal val="visible"/>
                                       </p:to>
                                     </p:set>
-                                    <p:animEffect transition="in" filter="barn(inVertical)">
-                                      <p:cBhvr>
-                                        <p:cTn id="42" dur="500"/>
-                                        <p:tgtEl>
-                                          <p:spTgt spid="27"/>
-                                        </p:tgtEl>
-                                      </p:cBhvr>
-                                    </p:animEffect>
                                   </p:childTnLst>
                                 </p:cTn>
                               </p:par>
                               <p:par>
-                                <p:cTn id="43" presetID="16" presetClass="entr" presetSubtype="21" fill="hold" grpId="0" nodeType="withEffect">
+                                <p:cTn id="42" presetID="1" presetClass="entr" presetSubtype="0" fill="hold" grpId="0" nodeType="withEffect">
                                   <p:stCondLst>
                                     <p:cond delay="0"/>
                                   </p:stCondLst>
                                   <p:childTnLst>
                                     <p:set>
                                       <p:cBhvr>
-                                        <p:cTn id="44" dur="1" fill="hold">
+                                        <p:cTn id="43" dur="1" fill="hold">
                                           <p:stCondLst>
                                             <p:cond delay="0"/>
                                           </p:stCondLst>
                                         </p:cTn>
                                         <p:tgtEl>
-                                          <p:spTgt spid="22"/>
+                                          <p:spTgt spid="44"/>
                                         </p:tgtEl>
                                         <p:attrNameLst>
                                           <p:attrName>style.visibility</p:attrName>
@@ -6668,19 +6755,38 @@
                                         <p:strVal val="visible"/>
                                       </p:to>
                                     </p:set>
-                                    <p:animEffect transition="in" filter="barn(inVertical)">
-                                      <p:cBhvr>
-                                        <p:cTn id="45" dur="500"/>
-                                        <p:tgtEl>
-                                          <p:spTgt spid="22"/>
-                                        </p:tgtEl>
-                                      </p:cBhvr>
-                                    </p:animEffect>
                                   </p:childTnLst>
                                 </p:cTn>
                               </p:par>
                               <p:par>
-                                <p:cTn id="46" presetID="16" presetClass="entr" presetSubtype="21" fill="hold" grpId="0" nodeType="withEffect">
+                                <p:cTn id="44" presetID="1" presetClass="entr" presetSubtype="0" fill="hold" grpId="0" nodeType="withEffect">
+                                  <p:stCondLst>
+                                    <p:cond delay="0"/>
+                                  </p:stCondLst>
+                                  <p:childTnLst>
+                                    <p:set>
+                                      <p:cBhvr>
+                                        <p:cTn id="45" dur="1" fill="hold">
+                                          <p:stCondLst>
+                                            <p:cond delay="0"/>
+                                          </p:stCondLst>
+                                        </p:cTn>
+                                        <p:tgtEl>
+                                          <p:spTgt spid="45"/>
+                                        </p:tgtEl>
+                                        <p:attrNameLst>
+                                          <p:attrName>style.visibility</p:attrName>
+                                        </p:attrNameLst>
+                                      </p:cBhvr>
+                                      <p:to>
+                                        <p:strVal val="visible"/>
+                                      </p:to>
+                                    </p:set>
+                                  </p:childTnLst>
+                                </p:cTn>
+                              </p:par>
+                              <p:par>
+                                <p:cTn id="46" presetID="1" presetClass="entr" presetSubtype="0" fill="hold" grpId="0" nodeType="withEffect">
                                   <p:stCondLst>
                                     <p:cond delay="0"/>
                                   </p:stCondLst>
@@ -6693,7 +6799,7 @@
                                           </p:stCondLst>
                                         </p:cTn>
                                         <p:tgtEl>
-                                          <p:spTgt spid="28"/>
+                                          <p:spTgt spid="46"/>
                                         </p:tgtEl>
                                         <p:attrNameLst>
                                           <p:attrName>style.visibility</p:attrName>
@@ -6703,32 +6809,24 @@
                                         <p:strVal val="visible"/>
                                       </p:to>
                                     </p:set>
-                                    <p:animEffect transition="in" filter="barn(inVertical)">
-                                      <p:cBhvr>
-                                        <p:cTn id="48" dur="500"/>
-                                        <p:tgtEl>
-                                          <p:spTgt spid="28"/>
-                                        </p:tgtEl>
-                                      </p:cBhvr>
-                                    </p:animEffect>
                                   </p:childTnLst>
                                 </p:cTn>
                               </p:par>
                               <p:par>
-                                <p:cTn id="49" presetID="16" presetClass="entr" presetSubtype="21" fill="hold" grpId="0" nodeType="withEffect">
+                                <p:cTn id="48" presetID="1" presetClass="entr" presetSubtype="0" fill="hold" grpId="0" nodeType="withEffect">
                                   <p:stCondLst>
                                     <p:cond delay="0"/>
                                   </p:stCondLst>
                                   <p:childTnLst>
                                     <p:set>
                                       <p:cBhvr>
-                                        <p:cTn id="50" dur="1" fill="hold">
+                                        <p:cTn id="49" dur="1" fill="hold">
                                           <p:stCondLst>
                                             <p:cond delay="0"/>
                                           </p:stCondLst>
                                         </p:cTn>
                                         <p:tgtEl>
-                                          <p:spTgt spid="24"/>
+                                          <p:spTgt spid="47"/>
                                         </p:tgtEl>
                                         <p:attrNameLst>
                                           <p:attrName>style.visibility</p:attrName>
@@ -6738,32 +6836,24 @@
                                         <p:strVal val="visible"/>
                                       </p:to>
                                     </p:set>
-                                    <p:animEffect transition="in" filter="barn(inVertical)">
-                                      <p:cBhvr>
-                                        <p:cTn id="51" dur="500"/>
-                                        <p:tgtEl>
-                                          <p:spTgt spid="24"/>
-                                        </p:tgtEl>
-                                      </p:cBhvr>
-                                    </p:animEffect>
                                   </p:childTnLst>
                                 </p:cTn>
                               </p:par>
                               <p:par>
-                                <p:cTn id="52" presetID="16" presetClass="entr" presetSubtype="21" fill="hold" grpId="0" nodeType="withEffect">
+                                <p:cTn id="50" presetID="1" presetClass="entr" presetSubtype="0" fill="hold" grpId="0" nodeType="withEffect">
                                   <p:stCondLst>
                                     <p:cond delay="0"/>
                                   </p:stCondLst>
                                   <p:childTnLst>
                                     <p:set>
                                       <p:cBhvr>
-                                        <p:cTn id="53" dur="1" fill="hold">
+                                        <p:cTn id="51" dur="1" fill="hold">
                                           <p:stCondLst>
                                             <p:cond delay="0"/>
                                           </p:stCondLst>
                                         </p:cTn>
                                         <p:tgtEl>
-                                          <p:spTgt spid="25"/>
+                                          <p:spTgt spid="48"/>
                                         </p:tgtEl>
                                         <p:attrNameLst>
                                           <p:attrName>style.visibility</p:attrName>
@@ -6773,84 +6863,6 @@
                                         <p:strVal val="visible"/>
                                       </p:to>
                                     </p:set>
-                                    <p:animEffect transition="in" filter="barn(inVertical)">
-                                      <p:cBhvr>
-                                        <p:cTn id="54" dur="500"/>
-                                        <p:tgtEl>
-                                          <p:spTgt spid="25"/>
-                                        </p:tgtEl>
-                                      </p:cBhvr>
-                                    </p:animEffect>
-                                  </p:childTnLst>
-                                </p:cTn>
-                              </p:par>
-                              <p:par>
-                                <p:cTn id="55" presetID="16" presetClass="entr" presetSubtype="21" fill="hold" grpId="0" nodeType="withEffect">
-                                  <p:stCondLst>
-                                    <p:cond delay="0"/>
-                                  </p:stCondLst>
-                                  <p:childTnLst>
-                                    <p:set>
-                                      <p:cBhvr>
-                                        <p:cTn id="56" dur="1" fill="hold">
-                                          <p:stCondLst>
-                                            <p:cond delay="0"/>
-                                          </p:stCondLst>
-                                        </p:cTn>
-                                        <p:tgtEl>
-                                          <p:spTgt spid="23"/>
-                                        </p:tgtEl>
-                                        <p:attrNameLst>
-                                          <p:attrName>style.visibility</p:attrName>
-                                        </p:attrNameLst>
-                                      </p:cBhvr>
-                                      <p:to>
-                                        <p:strVal val="visible"/>
-                                      </p:to>
-                                    </p:set>
-                                    <p:animEffect transition="in" filter="barn(inVertical)">
-                                      <p:cBhvr>
-                                        <p:cTn id="57" dur="500"/>
-                                        <p:tgtEl>
-                                          <p:spTgt spid="23"/>
-                                        </p:tgtEl>
-                                      </p:cBhvr>
-                                    </p:animEffect>
-                                  </p:childTnLst>
-                                </p:cTn>
-                              </p:par>
-                              <p:par>
-                                <p:cTn id="58" presetID="16" presetClass="entr" presetSubtype="21" fill="hold" grpId="0" nodeType="withEffect">
-                                  <p:stCondLst>
-                                    <p:cond delay="0"/>
-                                  </p:stCondLst>
-                                  <p:childTnLst>
-                                    <p:set>
-                                      <p:cBhvr>
-                                        <p:cTn id="59" dur="1" fill="hold">
-                                          <p:stCondLst>
-                                            <p:cond delay="0"/>
-                                          </p:stCondLst>
-                                        </p:cTn>
-                                        <p:tgtEl>
-                                          <p:spTgt spid="29"/>
-                                        </p:tgtEl>
-                                        <p:attrNameLst>
-                                          <p:attrName>style.visibility</p:attrName>
-                                        </p:attrNameLst>
-                                      </p:cBhvr>
-                                      <p:to>
-                                        <p:strVal val="visible"/>
-                                      </p:to>
-                                    </p:set>
-                                    <p:animEffect transition="in" filter="barn(inVertical)">
-                                      <p:cBhvr>
-                                        <p:cTn id="60" dur="500"/>
-                                        <p:tgtEl>
-                                          <p:spTgt spid="29"/>
-                                        </p:tgtEl>
-                                      </p:cBhvr>
-                                    </p:animEffect>
                                   </p:childTnLst>
                                 </p:cTn>
                               </p:par>
@@ -6861,26 +6873,26 @@
                     </p:cTn>
                   </p:par>
                   <p:par>
-                    <p:cTn id="61" fill="hold">
+                    <p:cTn id="52" fill="hold">
                       <p:stCondLst>
                         <p:cond delay="indefinite"/>
                       </p:stCondLst>
                       <p:childTnLst>
                         <p:par>
-                          <p:cTn id="62" fill="hold">
+                          <p:cTn id="53" fill="hold">
                             <p:stCondLst>
                               <p:cond delay="0"/>
                             </p:stCondLst>
                             <p:childTnLst>
                               <p:par>
-                                <p:cTn id="63" presetID="16" presetClass="entr" presetSubtype="21" fill="hold" grpId="0" nodeType="clickEffect">
+                                <p:cTn id="54" presetID="1" presetClass="entr" presetSubtype="0" fill="hold" grpId="0" nodeType="clickEffect">
                                   <p:stCondLst>
                                     <p:cond delay="0"/>
                                   </p:stCondLst>
                                   <p:childTnLst>
                                     <p:set>
                                       <p:cBhvr>
-                                        <p:cTn id="64" dur="1" fill="hold">
+                                        <p:cTn id="55" dur="1" fill="hold">
                                           <p:stCondLst>
                                             <p:cond delay="0"/>
                                           </p:stCondLst>
@@ -6896,14 +6908,6 @@
                                         <p:strVal val="visible"/>
                                       </p:to>
                                     </p:set>
-                                    <p:animEffect transition="in" filter="barn(inVertical)">
-                                      <p:cBhvr>
-                                        <p:cTn id="65" dur="500"/>
-                                        <p:tgtEl>
-                                          <p:spTgt spid="30"/>
-                                        </p:tgtEl>
-                                      </p:cBhvr>
-                                    </p:animEffect>
                                   </p:childTnLst>
                                 </p:cTn>
                               </p:par>
@@ -6944,16 +6948,16 @@
       <p:bldP spid="18" grpId="0"/>
       <p:bldP spid="19" grpId="0"/>
       <p:bldP spid="20" grpId="0"/>
-      <p:bldP spid="21" grpId="0"/>
-      <p:bldP spid="22" grpId="0"/>
-      <p:bldP spid="23" grpId="0"/>
-      <p:bldP spid="24" grpId="0"/>
-      <p:bldP spid="25" grpId="0"/>
-      <p:bldP spid="26" grpId="0"/>
-      <p:bldP spid="27" grpId="0"/>
-      <p:bldP spid="28" grpId="0"/>
-      <p:bldP spid="29" grpId="0"/>
       <p:bldP spid="30" grpId="0"/>
+      <p:bldP spid="40" grpId="0"/>
+      <p:bldP spid="41" grpId="0"/>
+      <p:bldP spid="42" grpId="0"/>
+      <p:bldP spid="43" grpId="0"/>
+      <p:bldP spid="44" grpId="0"/>
+      <p:bldP spid="45" grpId="0"/>
+      <p:bldP spid="46" grpId="0"/>
+      <p:bldP spid="47" grpId="0"/>
+      <p:bldP spid="48" grpId="0"/>
     </p:bldLst>
   </p:timing>
 </p:sld>
@@ -7878,7 +7882,7 @@
                   <a:srgbClr val="00B050"/>
                 </a:solidFill>
               </a:rPr>
-              <a:t>45</a:t>
+              <a:t>17</a:t>
             </a:r>
           </a:p>
         </p:txBody>
@@ -7917,7 +7921,7 @@
                   <a:srgbClr val="00B050"/>
                 </a:solidFill>
               </a:rPr>
-              <a:t>83</a:t>
+              <a:t>19</a:t>
             </a:r>
           </a:p>
         </p:txBody>
@@ -8073,7 +8077,7 @@
                   <a:srgbClr val="00B050"/>
                 </a:solidFill>
               </a:rPr>
-              <a:t>1</a:t>
+              <a:t>23</a:t>
             </a:r>
           </a:p>
         </p:txBody>
@@ -8112,7 +8116,7 @@
                   <a:srgbClr val="00B050"/>
                 </a:solidFill>
               </a:rPr>
-              <a:t>121</a:t>
+              <a:t>5</a:t>
             </a:r>
           </a:p>
         </p:txBody>
@@ -8151,7 +8155,7 @@
                   <a:srgbClr val="00B050"/>
                 </a:solidFill>
               </a:rPr>
-              <a:t>9</a:t>
+              <a:t>29</a:t>
             </a:r>
           </a:p>
         </p:txBody>
@@ -8776,7 +8780,38 @@
           <a:bodyPr/>
           <a:lstStyle/>
           <a:p>
-            <a:endParaRPr lang="es-MX"/>
+            <a:r>
+              <a:rPr lang="es-MX" dirty="0"/>
+              <a:t>por Adriana F. Chávez De la Peña</a:t>
+            </a:r>
+          </a:p>
+          <a:p>
+            <a:r>
+              <a:rPr lang="es-MX" dirty="0">
+                <a:hlinkClick r:id="rId2"/>
+              </a:rPr>
+              <a:t>adrifelcha@gmail.com</a:t>
+            </a:r>
+            <a:endParaRPr lang="es-MX" dirty="0"/>
+          </a:p>
+          <a:p>
+            <a:r>
+              <a:rPr lang="es-MX" dirty="0"/>
+              <a:t>Lab25 : </a:t>
+            </a:r>
+            <a:r>
+              <a:rPr lang="es-MX" dirty="0">
+                <a:hlinkClick r:id="rId3"/>
+              </a:rPr>
+              <a:t>www.bouzaslab25.com</a:t>
+            </a:r>
+            <a:endParaRPr lang="es-MX" dirty="0"/>
+          </a:p>
+          <a:p>
+            <a:endParaRPr lang="es-MX" dirty="0"/>
+          </a:p>
+          <a:p>
+            <a:endParaRPr lang="es-MX" dirty="0"/>
           </a:p>
         </p:txBody>
       </p:sp>
@@ -9328,53 +9363,6 @@
           </a:extLst>
         </p:spPr>
       </p:pic>
-      <p:pic>
-        <p:nvPicPr>
-          <p:cNvPr id="7" name="Picture 2" descr="Resultado de imagen para chico escuela">
-            <a:extLst>
-              <a:ext uri="{FF2B5EF4-FFF2-40B4-BE49-F238E27FC236}">
-                <a16:creationId xmlns:a16="http://schemas.microsoft.com/office/drawing/2014/main" id="{BDDBF42F-CBB5-4D47-B227-BEACE55D568B}"/>
-              </a:ext>
-            </a:extLst>
-          </p:cNvPr>
-          <p:cNvPicPr>
-            <a:picLocks noChangeAspect="1" noChangeArrowheads="1"/>
-          </p:cNvPicPr>
-          <p:nvPr/>
-        </p:nvPicPr>
-        <p:blipFill>
-          <a:blip r:embed="rId3" cstate="print">
-            <a:extLst>
-              <a:ext uri="{28A0092B-C50C-407E-A947-70E740481C1C}">
-                <a14:useLocalDpi xmlns:a14="http://schemas.microsoft.com/office/drawing/2010/main" val="0"/>
-              </a:ext>
-            </a:extLst>
-          </a:blip>
-          <a:srcRect/>
-          <a:stretch>
-            <a:fillRect/>
-          </a:stretch>
-        </p:blipFill>
-        <p:spPr bwMode="auto">
-          <a:xfrm flipH="1">
-            <a:off x="2358682" y="2659682"/>
-            <a:ext cx="1455309" cy="2184643"/>
-          </a:xfrm>
-          <a:prstGeom prst="rect">
-            <a:avLst/>
-          </a:prstGeom>
-          <a:noFill/>
-          <a:extLst>
-            <a:ext uri="{909E8E84-426E-40DD-AFC4-6F175D3DCCD1}">
-              <a14:hiddenFill xmlns:a14="http://schemas.microsoft.com/office/drawing/2010/main">
-                <a:solidFill>
-                  <a:srgbClr val="FFFFFF"/>
-                </a:solidFill>
-              </a14:hiddenFill>
-            </a:ext>
-          </a:extLst>
-        </p:spPr>
-      </p:pic>
       <p:sp>
         <p:nvSpPr>
           <p:cNvPr id="8" name="CuadroTexto 7">
@@ -9422,7 +9410,7 @@
             </a:r>
             <a:r>
               <a:rPr lang="es-MX" b="1" dirty="0"/>
-              <a:t>Escribe con la mano </a:t>
+              <a:t>Celular en la mano </a:t>
             </a:r>
             <a:r>
               <a:rPr lang="es-MX" b="1" u="sng" dirty="0"/>
@@ -9595,6 +9583,53 @@
           </a:p>
         </p:txBody>
       </p:sp>
+      <p:pic>
+        <p:nvPicPr>
+          <p:cNvPr id="1026" name="Picture 2" descr="Cómo activar el modo para zurdos en tu Android?">
+            <a:extLst>
+              <a:ext uri="{FF2B5EF4-FFF2-40B4-BE49-F238E27FC236}">
+                <a16:creationId xmlns:a16="http://schemas.microsoft.com/office/drawing/2014/main" id="{BDBB0F3C-84FE-4C54-9089-13FC6AFB4760}"/>
+              </a:ext>
+            </a:extLst>
+          </p:cNvPr>
+          <p:cNvPicPr>
+            <a:picLocks noChangeAspect="1" noChangeArrowheads="1"/>
+          </p:cNvPicPr>
+          <p:nvPr/>
+        </p:nvPicPr>
+        <p:blipFill>
+          <a:blip r:embed="rId3" cstate="print">
+            <a:extLst>
+              <a:ext uri="{28A0092B-C50C-407E-A947-70E740481C1C}">
+                <a14:useLocalDpi xmlns:a14="http://schemas.microsoft.com/office/drawing/2010/main" val="0"/>
+              </a:ext>
+            </a:extLst>
+          </a:blip>
+          <a:srcRect/>
+          <a:stretch>
+            <a:fillRect/>
+          </a:stretch>
+        </p:blipFill>
+        <p:spPr bwMode="auto">
+          <a:xfrm>
+            <a:off x="2007446" y="2822754"/>
+            <a:ext cx="2529360" cy="1557670"/>
+          </a:xfrm>
+          <a:prstGeom prst="rect">
+            <a:avLst/>
+          </a:prstGeom>
+          <a:noFill/>
+          <a:extLst>
+            <a:ext uri="{909E8E84-426E-40DD-AFC4-6F175D3DCCD1}">
+              <a14:hiddenFill xmlns:a14="http://schemas.microsoft.com/office/drawing/2010/main">
+                <a:solidFill>
+                  <a:srgbClr val="FFFFFF"/>
+                </a:solidFill>
+              </a14:hiddenFill>
+            </a:ext>
+          </a:extLst>
+        </p:spPr>
+      </p:pic>
     </p:spTree>
     <p:extLst>
       <p:ext uri="{BB962C8B-B14F-4D97-AF65-F5344CB8AC3E}">
@@ -9617,6 +9652,9 @@
                     <p:cTn id="3" fill="hold">
                       <p:stCondLst>
                         <p:cond delay="indefinite"/>
+                        <p:cond evt="onBegin" delay="0">
+                          <p:tn val="2"/>
+                        </p:cond>
                       </p:stCondLst>
                       <p:childTnLst>
                         <p:par>
@@ -9626,7 +9664,7 @@
                             </p:stCondLst>
                             <p:childTnLst>
                               <p:par>
-                                <p:cTn id="5" presetID="1" presetClass="entr" presetSubtype="0" fill="hold" nodeType="clickEffect">
+                                <p:cTn id="5" presetID="1" presetClass="entr" presetSubtype="0" fill="hold" nodeType="withEffect">
                                   <p:stCondLst>
                                     <p:cond delay="0"/>
                                   </p:stCondLst>
@@ -9634,33 +9672,6 @@
                                     <p:set>
                                       <p:cBhvr>
                                         <p:cTn id="6" dur="1" fill="hold">
-                                          <p:stCondLst>
-                                            <p:cond delay="0"/>
-                                          </p:stCondLst>
-                                        </p:cTn>
-                                        <p:tgtEl>
-                                          <p:spTgt spid="7"/>
-                                        </p:tgtEl>
-                                        <p:attrNameLst>
-                                          <p:attrName>style.visibility</p:attrName>
-                                        </p:attrNameLst>
-                                      </p:cBhvr>
-                                      <p:to>
-                                        <p:strVal val="visible"/>
-                                      </p:to>
-                                    </p:set>
-                                  </p:childTnLst>
-                                </p:cTn>
-                              </p:par>
-                              <p:par>
-                                <p:cTn id="7" presetID="1" presetClass="entr" presetSubtype="0" fill="hold" nodeType="withEffect">
-                                  <p:stCondLst>
-                                    <p:cond delay="0"/>
-                                  </p:stCondLst>
-                                  <p:childTnLst>
-                                    <p:set>
-                                      <p:cBhvr>
-                                        <p:cTn id="8" dur="1" fill="hold">
                                           <p:stCondLst>
                                             <p:cond delay="0"/>
                                           </p:stCondLst>
@@ -9686,26 +9697,26 @@
                     </p:cTn>
                   </p:par>
                   <p:par>
-                    <p:cTn id="9" fill="hold">
+                    <p:cTn id="7" fill="hold">
                       <p:stCondLst>
                         <p:cond delay="indefinite"/>
                       </p:stCondLst>
                       <p:childTnLst>
                         <p:par>
-                          <p:cTn id="10" fill="hold">
+                          <p:cTn id="8" fill="hold">
                             <p:stCondLst>
                               <p:cond delay="0"/>
                             </p:stCondLst>
                             <p:childTnLst>
                               <p:par>
-                                <p:cTn id="11" presetID="1" presetClass="entr" presetSubtype="0" fill="hold" grpId="0" nodeType="clickEffect">
+                                <p:cTn id="9" presetID="1" presetClass="entr" presetSubtype="0" fill="hold" grpId="0" nodeType="clickEffect">
                                   <p:stCondLst>
                                     <p:cond delay="0"/>
                                   </p:stCondLst>
                                   <p:childTnLst>
                                     <p:set>
                                       <p:cBhvr>
-                                        <p:cTn id="12" dur="1" fill="hold">
+                                        <p:cTn id="10" dur="1" fill="hold">
                                           <p:stCondLst>
                                             <p:cond delay="0"/>
                                           </p:stCondLst>
@@ -9725,14 +9736,14 @@
                                 </p:cTn>
                               </p:par>
                               <p:par>
-                                <p:cTn id="13" presetID="1" presetClass="entr" presetSubtype="0" fill="hold" grpId="0" nodeType="withEffect">
+                                <p:cTn id="11" presetID="1" presetClass="entr" presetSubtype="0" fill="hold" grpId="0" nodeType="withEffect">
                                   <p:stCondLst>
                                     <p:cond delay="0"/>
                                   </p:stCondLst>
                                   <p:childTnLst>
                                     <p:set>
                                       <p:cBhvr>
-                                        <p:cTn id="14" dur="1" fill="hold">
+                                        <p:cTn id="12" dur="1" fill="hold">
                                           <p:stCondLst>
                                             <p:cond delay="0"/>
                                           </p:stCondLst>
@@ -9758,26 +9769,26 @@
                     </p:cTn>
                   </p:par>
                   <p:par>
-                    <p:cTn id="15" fill="hold">
+                    <p:cTn id="13" fill="hold">
                       <p:stCondLst>
                         <p:cond delay="indefinite"/>
                       </p:stCondLst>
                       <p:childTnLst>
                         <p:par>
-                          <p:cTn id="16" fill="hold">
+                          <p:cTn id="14" fill="hold">
                             <p:stCondLst>
                               <p:cond delay="0"/>
                             </p:stCondLst>
                             <p:childTnLst>
                               <p:par>
-                                <p:cTn id="17" presetID="1" presetClass="entr" presetSubtype="0" fill="hold" grpId="0" nodeType="clickEffect">
+                                <p:cTn id="15" presetID="1" presetClass="entr" presetSubtype="0" fill="hold" grpId="0" nodeType="clickEffect">
                                   <p:stCondLst>
                                     <p:cond delay="0"/>
                                   </p:stCondLst>
                                   <p:childTnLst>
                                     <p:set>
                                       <p:cBhvr>
-                                        <p:cTn id="18" dur="1" fill="hold">
+                                        <p:cTn id="16" dur="1" fill="hold">
                                           <p:stCondLst>
                                             <p:cond delay="0"/>
                                           </p:stCondLst>
@@ -9797,14 +9808,14 @@
                                 </p:cTn>
                               </p:par>
                               <p:par>
-                                <p:cTn id="19" presetID="1" presetClass="entr" presetSubtype="0" fill="hold" grpId="0" nodeType="withEffect">
+                                <p:cTn id="17" presetID="1" presetClass="entr" presetSubtype="0" fill="hold" grpId="0" nodeType="withEffect">
                                   <p:stCondLst>
                                     <p:cond delay="0"/>
                                   </p:stCondLst>
                                   <p:childTnLst>
                                     <p:set>
                                       <p:cBhvr>
-                                        <p:cTn id="20" dur="1" fill="hold">
+                                        <p:cTn id="18" dur="1" fill="hold">
                                           <p:stCondLst>
                                             <p:cond delay="0"/>
                                           </p:stCondLst>
@@ -22972,8 +22983,8 @@
           </a:prstGeom>
         </p:spPr>
       </p:pic>
-      <mc:AlternateContent xmlns:mc="http://schemas.openxmlformats.org/markup-compatibility/2006">
-        <mc:Choice xmlns:a14="http://schemas.microsoft.com/office/drawing/2010/main" Requires="a14">
+      <mc:AlternateContent xmlns:mc="http://schemas.openxmlformats.org/markup-compatibility/2006" xmlns:a14="http://schemas.microsoft.com/office/drawing/2010/main">
+        <mc:Choice Requires="a14">
           <p:sp>
             <p:nvSpPr>
               <p:cNvPr id="11" name="11 Marcador de contenido">
@@ -23552,7 +23563,7 @@
             </p:txBody>
           </p:sp>
         </mc:Choice>
-        <mc:Fallback>
+        <mc:Fallback xmlns="">
           <p:sp>
             <p:nvSpPr>
               <p:cNvPr id="11" name="11 Marcador de contenido">
@@ -26828,8 +26839,8 @@
           <a:chExt cx="0" cy="0"/>
         </a:xfrm>
       </p:grpSpPr>
-      <mc:AlternateContent xmlns:mc="http://schemas.openxmlformats.org/markup-compatibility/2006">
-        <mc:Choice xmlns:a14="http://schemas.microsoft.com/office/drawing/2010/main" Requires="a14">
+      <mc:AlternateContent xmlns:mc="http://schemas.openxmlformats.org/markup-compatibility/2006" xmlns:a14="http://schemas.microsoft.com/office/drawing/2010/main">
+        <mc:Choice Requires="a14">
           <p:sp>
             <p:nvSpPr>
               <p:cNvPr id="8" name="7 Marcador de contenido"/>
@@ -26937,7 +26948,7 @@
             </p:txBody>
           </p:sp>
         </mc:Choice>
-        <mc:Fallback>
+        <mc:Fallback xmlns="">
           <p:sp>
             <p:nvSpPr>
               <p:cNvPr id="8" name="7 Marcador de contenido"/>
@@ -27173,8 +27184,8 @@
           </a:p>
         </p:txBody>
       </p:sp>
-      <mc:AlternateContent xmlns:mc="http://schemas.openxmlformats.org/markup-compatibility/2006">
-        <mc:Choice xmlns:a14="http://schemas.microsoft.com/office/drawing/2010/main" Requires="a14">
+      <mc:AlternateContent xmlns:mc="http://schemas.openxmlformats.org/markup-compatibility/2006" xmlns:a14="http://schemas.microsoft.com/office/drawing/2010/main">
+        <mc:Choice Requires="a14">
           <p:sp>
             <p:nvSpPr>
               <p:cNvPr id="15" name="CuadroTexto 14">
@@ -27203,6 +27214,7 @@
               </a:bodyPr>
               <a:lstStyle/>
               <a:p>
+                <a:pPr/>
                 <a14:m>
                   <m:oMathPara xmlns:m="http://schemas.openxmlformats.org/officeDocument/2006/math">
                     <m:oMathParaPr>
@@ -27303,7 +27315,7 @@
             </p:txBody>
           </p:sp>
         </mc:Choice>
-        <mc:Fallback>
+        <mc:Fallback xmlns="">
           <p:sp>
             <p:nvSpPr>
               <p:cNvPr id="15" name="CuadroTexto 14">
@@ -27348,8 +27360,8 @@
           </p:sp>
         </mc:Fallback>
       </mc:AlternateContent>
-      <mc:AlternateContent xmlns:mc="http://schemas.openxmlformats.org/markup-compatibility/2006">
-        <mc:Choice xmlns:a14="http://schemas.microsoft.com/office/drawing/2010/main" Requires="a14">
+      <mc:AlternateContent xmlns:mc="http://schemas.openxmlformats.org/markup-compatibility/2006" xmlns:a14="http://schemas.microsoft.com/office/drawing/2010/main">
+        <mc:Choice Requires="a14">
           <p:sp>
             <p:nvSpPr>
               <p:cNvPr id="6" name="Rectángulo 5">
@@ -27520,7 +27532,7 @@
             </p:txBody>
           </p:sp>
         </mc:Choice>
-        <mc:Fallback>
+        <mc:Fallback xmlns="">
           <p:sp>
             <p:nvSpPr>
               <p:cNvPr id="6" name="Rectángulo 5">
@@ -27565,8 +27577,8 @@
           </p:sp>
         </mc:Fallback>
       </mc:AlternateContent>
-      <mc:AlternateContent xmlns:mc="http://schemas.openxmlformats.org/markup-compatibility/2006">
-        <mc:Choice xmlns:a14="http://schemas.microsoft.com/office/drawing/2010/main" Requires="a14">
+      <mc:AlternateContent xmlns:mc="http://schemas.openxmlformats.org/markup-compatibility/2006" xmlns:a14="http://schemas.microsoft.com/office/drawing/2010/main">
+        <mc:Choice Requires="a14">
           <p:sp>
             <p:nvSpPr>
               <p:cNvPr id="7" name="Rectángulo 6">
@@ -27725,7 +27737,7 @@
             </p:txBody>
           </p:sp>
         </mc:Choice>
-        <mc:Fallback>
+        <mc:Fallback xmlns="">
           <p:sp>
             <p:nvSpPr>
               <p:cNvPr id="7" name="Rectángulo 6">
@@ -27980,8 +27992,8 @@
           </a:p>
         </p:txBody>
       </p:sp>
-      <mc:AlternateContent xmlns:mc="http://schemas.openxmlformats.org/markup-compatibility/2006">
-        <mc:Choice xmlns:a14="http://schemas.microsoft.com/office/drawing/2010/main" Requires="a14">
+      <mc:AlternateContent xmlns:mc="http://schemas.openxmlformats.org/markup-compatibility/2006" xmlns:a14="http://schemas.microsoft.com/office/drawing/2010/main">
+        <mc:Choice Requires="a14">
           <p:sp>
             <p:nvSpPr>
               <p:cNvPr id="22" name="CuadroTexto 21">
@@ -28010,6 +28022,7 @@
               </a:bodyPr>
               <a:lstStyle/>
               <a:p>
+                <a:pPr/>
                 <a14:m>
                   <m:oMathPara xmlns:m="http://schemas.openxmlformats.org/officeDocument/2006/math">
                     <m:oMathParaPr>
@@ -28096,7 +28109,7 @@
             </p:txBody>
           </p:sp>
         </mc:Choice>
-        <mc:Fallback>
+        <mc:Fallback xmlns="">
           <p:sp>
             <p:nvSpPr>
               <p:cNvPr id="22" name="CuadroTexto 21">
@@ -28141,8 +28154,8 @@
           </p:sp>
         </mc:Fallback>
       </mc:AlternateContent>
-      <mc:AlternateContent xmlns:mc="http://schemas.openxmlformats.org/markup-compatibility/2006">
-        <mc:Choice xmlns:a14="http://schemas.microsoft.com/office/drawing/2010/main" Requires="a14">
+      <mc:AlternateContent xmlns:mc="http://schemas.openxmlformats.org/markup-compatibility/2006" xmlns:a14="http://schemas.microsoft.com/office/drawing/2010/main">
+        <mc:Choice Requires="a14">
           <p:sp>
             <p:nvSpPr>
               <p:cNvPr id="23" name="CuadroTexto 22">
@@ -28171,6 +28184,7 @@
               </a:bodyPr>
               <a:lstStyle/>
               <a:p>
+                <a:pPr/>
                 <a14:m>
                   <m:oMathPara xmlns:m="http://schemas.openxmlformats.org/officeDocument/2006/math">
                     <m:oMathParaPr>
@@ -28269,7 +28283,7 @@
             </p:txBody>
           </p:sp>
         </mc:Choice>
-        <mc:Fallback>
+        <mc:Fallback xmlns="">
           <p:sp>
             <p:nvSpPr>
               <p:cNvPr id="23" name="CuadroTexto 22">
@@ -28530,8 +28544,8 @@
           </a:p>
         </p:txBody>
       </p:sp>
-      <mc:AlternateContent xmlns:mc="http://schemas.openxmlformats.org/markup-compatibility/2006">
-        <mc:Choice xmlns:a14="http://schemas.microsoft.com/office/drawing/2010/main" Requires="a14">
+      <mc:AlternateContent xmlns:mc="http://schemas.openxmlformats.org/markup-compatibility/2006" xmlns:a14="http://schemas.microsoft.com/office/drawing/2010/main">
+        <mc:Choice Requires="a14">
           <p:sp>
             <p:nvSpPr>
               <p:cNvPr id="29" name="CuadroTexto 28">
@@ -28560,6 +28574,7 @@
               </a:bodyPr>
               <a:lstStyle/>
               <a:p>
+                <a:pPr/>
                 <a14:m>
                   <m:oMathPara xmlns:m="http://schemas.openxmlformats.org/officeDocument/2006/math">
                     <m:oMathParaPr>
@@ -28597,7 +28612,7 @@
             </p:txBody>
           </p:sp>
         </mc:Choice>
-        <mc:Fallback>
+        <mc:Fallback xmlns="">
           <p:sp>
             <p:nvSpPr>
               <p:cNvPr id="29" name="CuadroTexto 28">
@@ -28642,8 +28657,8 @@
           </p:sp>
         </mc:Fallback>
       </mc:AlternateContent>
-      <mc:AlternateContent xmlns:mc="http://schemas.openxmlformats.org/markup-compatibility/2006">
-        <mc:Choice xmlns:a14="http://schemas.microsoft.com/office/drawing/2010/main" Requires="a14">
+      <mc:AlternateContent xmlns:mc="http://schemas.openxmlformats.org/markup-compatibility/2006" xmlns:a14="http://schemas.microsoft.com/office/drawing/2010/main">
+        <mc:Choice Requires="a14">
           <p:sp>
             <p:nvSpPr>
               <p:cNvPr id="30" name="CuadroTexto 29">
@@ -28672,6 +28687,7 @@
               </a:bodyPr>
               <a:lstStyle/>
               <a:p>
+                <a:pPr/>
                 <a14:m>
                   <m:oMathPara xmlns:m="http://schemas.openxmlformats.org/officeDocument/2006/math">
                     <m:oMathParaPr>
@@ -28733,7 +28749,7 @@
             </p:txBody>
           </p:sp>
         </mc:Choice>
-        <mc:Fallback>
+        <mc:Fallback xmlns="">
           <p:sp>
             <p:nvSpPr>
               <p:cNvPr id="30" name="CuadroTexto 29">
@@ -30347,8 +30363,8 @@
           </a:prstGeom>
         </p:spPr>
       </p:pic>
-      <mc:AlternateContent xmlns:mc="http://schemas.openxmlformats.org/markup-compatibility/2006">
-        <mc:Choice xmlns:a14="http://schemas.microsoft.com/office/drawing/2010/main" Requires="a14">
+      <mc:AlternateContent xmlns:mc="http://schemas.openxmlformats.org/markup-compatibility/2006" xmlns:a14="http://schemas.microsoft.com/office/drawing/2010/main">
+        <mc:Choice Requires="a14">
           <p:sp>
             <p:nvSpPr>
               <p:cNvPr id="11" name="11 Marcador de contenido">
@@ -30880,7 +30896,7 @@
             </p:txBody>
           </p:sp>
         </mc:Choice>
-        <mc:Fallback>
+        <mc:Fallback xmlns="">
           <p:sp>
             <p:nvSpPr>
               <p:cNvPr id="11" name="11 Marcador de contenido">
@@ -31453,8 +31469,8 @@
           </a:prstGeom>
         </p:spPr>
       </p:pic>
-      <mc:AlternateContent xmlns:mc="http://schemas.openxmlformats.org/markup-compatibility/2006">
-        <mc:Choice xmlns:a14="http://schemas.microsoft.com/office/drawing/2010/main" Requires="a14">
+      <mc:AlternateContent xmlns:mc="http://schemas.openxmlformats.org/markup-compatibility/2006" xmlns:a14="http://schemas.microsoft.com/office/drawing/2010/main">
+        <mc:Choice Requires="a14">
           <p:sp>
             <p:nvSpPr>
               <p:cNvPr id="11" name="11 Marcador de contenido">
@@ -32001,7 +32017,7 @@
             </p:txBody>
           </p:sp>
         </mc:Choice>
-        <mc:Fallback>
+        <mc:Fallback xmlns="">
           <p:sp>
             <p:nvSpPr>
               <p:cNvPr id="11" name="11 Marcador de contenido">
@@ -32697,8 +32713,8 @@
           </a:p>
         </p:txBody>
       </p:sp>
-      <mc:AlternateContent xmlns:mc="http://schemas.openxmlformats.org/markup-compatibility/2006">
-        <mc:Choice xmlns:a14="http://schemas.microsoft.com/office/drawing/2010/main" Requires="a14">
+      <mc:AlternateContent xmlns:mc="http://schemas.openxmlformats.org/markup-compatibility/2006" xmlns:a14="http://schemas.microsoft.com/office/drawing/2010/main">
+        <mc:Choice Requires="a14">
           <p:sp>
             <p:nvSpPr>
               <p:cNvPr id="5" name="CuadroTexto 4">
@@ -32727,6 +32743,7 @@
               </a:bodyPr>
               <a:lstStyle/>
               <a:p>
+                <a:pPr/>
                 <a14:m>
                   <m:oMathPara xmlns:m="http://schemas.openxmlformats.org/officeDocument/2006/math">
                     <m:oMathParaPr>
@@ -32875,7 +32892,7 @@
             </p:txBody>
           </p:sp>
         </mc:Choice>
-        <mc:Fallback>
+        <mc:Fallback xmlns="">
           <p:sp>
             <p:nvSpPr>
               <p:cNvPr id="5" name="CuadroTexto 4">
@@ -32920,8 +32937,8 @@
           </p:sp>
         </mc:Fallback>
       </mc:AlternateContent>
-      <mc:AlternateContent xmlns:mc="http://schemas.openxmlformats.org/markup-compatibility/2006">
-        <mc:Choice xmlns:a14="http://schemas.microsoft.com/office/drawing/2010/main" Requires="a14">
+      <mc:AlternateContent xmlns:mc="http://schemas.openxmlformats.org/markup-compatibility/2006" xmlns:a14="http://schemas.microsoft.com/office/drawing/2010/main">
+        <mc:Choice Requires="a14">
           <p:sp>
             <p:nvSpPr>
               <p:cNvPr id="17" name="CuadroTexto 16">
@@ -32950,6 +32967,7 @@
               </a:bodyPr>
               <a:lstStyle/>
               <a:p>
+                <a:pPr/>
                 <a14:m>
                   <m:oMathPara xmlns:m="http://schemas.openxmlformats.org/officeDocument/2006/math">
                     <m:oMathParaPr>
@@ -33043,7 +33061,7 @@
             </p:txBody>
           </p:sp>
         </mc:Choice>
-        <mc:Fallback>
+        <mc:Fallback xmlns="">
           <p:sp>
             <p:nvSpPr>
               <p:cNvPr id="17" name="CuadroTexto 16">
@@ -33088,8 +33106,8 @@
           </p:sp>
         </mc:Fallback>
       </mc:AlternateContent>
-      <mc:AlternateContent xmlns:mc="http://schemas.openxmlformats.org/markup-compatibility/2006">
-        <mc:Choice xmlns:a14="http://schemas.microsoft.com/office/drawing/2010/main" Requires="a14">
+      <mc:AlternateContent xmlns:mc="http://schemas.openxmlformats.org/markup-compatibility/2006" xmlns:a14="http://schemas.microsoft.com/office/drawing/2010/main">
+        <mc:Choice Requires="a14">
           <p:sp>
             <p:nvSpPr>
               <p:cNvPr id="18" name="CuadroTexto 17">
@@ -33118,6 +33136,7 @@
               </a:bodyPr>
               <a:lstStyle/>
               <a:p>
+                <a:pPr/>
                 <a14:m>
                   <m:oMathPara xmlns:m="http://schemas.openxmlformats.org/officeDocument/2006/math">
                     <m:oMathParaPr>
@@ -33233,7 +33252,7 @@
             </p:txBody>
           </p:sp>
         </mc:Choice>
-        <mc:Fallback>
+        <mc:Fallback xmlns="">
           <p:sp>
             <p:nvSpPr>
               <p:cNvPr id="18" name="CuadroTexto 17">
@@ -33278,8 +33297,8 @@
           </p:sp>
         </mc:Fallback>
       </mc:AlternateContent>
-      <mc:AlternateContent xmlns:mc="http://schemas.openxmlformats.org/markup-compatibility/2006">
-        <mc:Choice xmlns:a14="http://schemas.microsoft.com/office/drawing/2010/main" Requires="a14">
+      <mc:AlternateContent xmlns:mc="http://schemas.openxmlformats.org/markup-compatibility/2006" xmlns:a14="http://schemas.microsoft.com/office/drawing/2010/main">
+        <mc:Choice Requires="a14">
           <p:sp>
             <p:nvSpPr>
               <p:cNvPr id="20" name="CuadroTexto 19">
@@ -33308,6 +33327,7 @@
               </a:bodyPr>
               <a:lstStyle/>
               <a:p>
+                <a:pPr/>
                 <a14:m>
                   <m:oMathPara xmlns:m="http://schemas.openxmlformats.org/officeDocument/2006/math">
                     <m:oMathParaPr>
@@ -33481,7 +33501,7 @@
             </p:txBody>
           </p:sp>
         </mc:Choice>
-        <mc:Fallback>
+        <mc:Fallback xmlns="">
           <p:sp>
             <p:nvSpPr>
               <p:cNvPr id="20" name="CuadroTexto 19">
@@ -33526,8 +33546,8 @@
           </p:sp>
         </mc:Fallback>
       </mc:AlternateContent>
-      <mc:AlternateContent xmlns:mc="http://schemas.openxmlformats.org/markup-compatibility/2006">
-        <mc:Choice xmlns:a14="http://schemas.microsoft.com/office/drawing/2010/main" Requires="a14">
+      <mc:AlternateContent xmlns:mc="http://schemas.openxmlformats.org/markup-compatibility/2006" xmlns:a14="http://schemas.microsoft.com/office/drawing/2010/main">
+        <mc:Choice Requires="a14">
           <p:sp>
             <p:nvSpPr>
               <p:cNvPr id="21" name="CuadroTexto 20">
@@ -33556,6 +33576,7 @@
               </a:bodyPr>
               <a:lstStyle/>
               <a:p>
+                <a:pPr/>
                 <a14:m>
                   <m:oMathPara xmlns:m="http://schemas.openxmlformats.org/officeDocument/2006/math">
                     <m:oMathParaPr>
@@ -33631,7 +33652,7 @@
             </p:txBody>
           </p:sp>
         </mc:Choice>
-        <mc:Fallback>
+        <mc:Fallback xmlns="">
           <p:sp>
             <p:nvSpPr>
               <p:cNvPr id="21" name="CuadroTexto 20">
@@ -33676,8 +33697,8 @@
           </p:sp>
         </mc:Fallback>
       </mc:AlternateContent>
-      <mc:AlternateContent xmlns:mc="http://schemas.openxmlformats.org/markup-compatibility/2006">
-        <mc:Choice xmlns:a14="http://schemas.microsoft.com/office/drawing/2010/main" Requires="a14">
+      <mc:AlternateContent xmlns:mc="http://schemas.openxmlformats.org/markup-compatibility/2006" xmlns:a14="http://schemas.microsoft.com/office/drawing/2010/main">
+        <mc:Choice Requires="a14">
           <p:sp>
             <p:nvSpPr>
               <p:cNvPr id="22" name="CuadroTexto 21">
@@ -33706,6 +33727,7 @@
               </a:bodyPr>
               <a:lstStyle/>
               <a:p>
+                <a:pPr/>
                 <a14:m>
                   <m:oMathPara xmlns:m="http://schemas.openxmlformats.org/officeDocument/2006/math">
                     <m:oMathParaPr>
@@ -33834,7 +33856,7 @@
             </p:txBody>
           </p:sp>
         </mc:Choice>
-        <mc:Fallback>
+        <mc:Fallback xmlns="">
           <p:sp>
             <p:nvSpPr>
               <p:cNvPr id="22" name="CuadroTexto 21">
@@ -35398,8 +35420,8 @@
           </a:prstGeom>
         </p:spPr>
       </p:pic>
-      <mc:AlternateContent xmlns:mc="http://schemas.openxmlformats.org/markup-compatibility/2006">
-        <mc:Choice xmlns:a14="http://schemas.microsoft.com/office/drawing/2010/main" Requires="a14">
+      <mc:AlternateContent xmlns:mc="http://schemas.openxmlformats.org/markup-compatibility/2006" xmlns:a14="http://schemas.microsoft.com/office/drawing/2010/main">
+        <mc:Choice Requires="a14">
           <p:sp>
             <p:nvSpPr>
               <p:cNvPr id="11" name="11 Marcador de contenido">
@@ -35747,23 +35769,7 @@
                               </a:effectLst>
                               <a:latin typeface="Cambria Math" panose="02040503050406030204" pitchFamily="18" charset="0"/>
                             </a:rPr>
-                            <m:t>1</m:t>
-                          </m:r>
-                          <m:r>
-                            <a:rPr lang="es-MX" sz="3200" b="0" i="1" smtClean="0">
-                              <a:solidFill>
-                                <a:srgbClr val="FF0000"/>
-                              </a:solidFill>
-                              <a:effectLst>
-                                <a:outerShdw blurRad="38100" dist="38100" dir="2700000" algn="tl">
-                                  <a:srgbClr val="000000">
-                                    <a:alpha val="43137"/>
-                                  </a:srgbClr>
-                                </a:outerShdw>
-                              </a:effectLst>
-                              <a:latin typeface="Cambria Math" panose="02040503050406030204" pitchFamily="18" charset="0"/>
-                            </a:rPr>
-                            <m:t>5</m:t>
+                            <m:t>15</m:t>
                           </m:r>
                         </m:den>
                       </m:f>
@@ -35781,23 +35787,7 @@
                           </a:effectLst>
                           <a:latin typeface="Cambria Math" panose="02040503050406030204" pitchFamily="18" charset="0"/>
                         </a:rPr>
-                        <m:t>=0.0</m:t>
-                      </m:r>
-                      <m:r>
-                        <a:rPr lang="es-MX" sz="3200" b="0" i="1" smtClean="0">
-                          <a:solidFill>
-                            <a:srgbClr val="FF0000"/>
-                          </a:solidFill>
-                          <a:effectLst>
-                            <a:outerShdw blurRad="38100" dist="38100" dir="2700000" algn="tl">
-                              <a:srgbClr val="000000">
-                                <a:alpha val="43137"/>
-                              </a:srgbClr>
-                            </a:outerShdw>
-                          </a:effectLst>
-                          <a:latin typeface="Cambria Math" panose="02040503050406030204" pitchFamily="18" charset="0"/>
-                        </a:rPr>
-                        <m:t>666</m:t>
+                        <m:t>=0.0666</m:t>
                       </m:r>
                     </m:oMath>
                   </m:oMathPara>
@@ -35983,7 +35973,7 @@
             </p:txBody>
           </p:sp>
         </mc:Choice>
-        <mc:Fallback>
+        <mc:Fallback xmlns="">
           <p:sp>
             <p:nvSpPr>
               <p:cNvPr id="11" name="11 Marcador de contenido">
@@ -37056,8 +37046,8 @@
           <a:chExt cx="0" cy="0"/>
         </a:xfrm>
       </p:grpSpPr>
-      <mc:AlternateContent xmlns:mc="http://schemas.openxmlformats.org/markup-compatibility/2006">
-        <mc:Choice xmlns:a14="http://schemas.microsoft.com/office/drawing/2010/main" Requires="a14">
+      <mc:AlternateContent xmlns:mc="http://schemas.openxmlformats.org/markup-compatibility/2006" xmlns:a14="http://schemas.microsoft.com/office/drawing/2010/main">
+        <mc:Choice Requires="a14">
           <p:sp>
             <p:nvSpPr>
               <p:cNvPr id="8" name="7 Marcador de contenido"/>
@@ -37165,7 +37155,7 @@
             </p:txBody>
           </p:sp>
         </mc:Choice>
-        <mc:Fallback>
+        <mc:Fallback xmlns="">
           <p:sp>
             <p:nvSpPr>
               <p:cNvPr id="8" name="7 Marcador de contenido"/>
@@ -37401,8 +37391,8 @@
           </a:p>
         </p:txBody>
       </p:sp>
-      <mc:AlternateContent xmlns:mc="http://schemas.openxmlformats.org/markup-compatibility/2006">
-        <mc:Choice xmlns:a14="http://schemas.microsoft.com/office/drawing/2010/main" Requires="a14">
+      <mc:AlternateContent xmlns:mc="http://schemas.openxmlformats.org/markup-compatibility/2006" xmlns:a14="http://schemas.microsoft.com/office/drawing/2010/main">
+        <mc:Choice Requires="a14">
           <p:sp>
             <p:nvSpPr>
               <p:cNvPr id="15" name="CuadroTexto 14">
@@ -37431,6 +37421,7 @@
               </a:bodyPr>
               <a:lstStyle/>
               <a:p>
+                <a:pPr/>
                 <a14:m>
                   <m:oMathPara xmlns:m="http://schemas.openxmlformats.org/officeDocument/2006/math">
                     <m:oMathParaPr>
@@ -37531,7 +37522,7 @@
             </p:txBody>
           </p:sp>
         </mc:Choice>
-        <mc:Fallback>
+        <mc:Fallback xmlns="">
           <p:sp>
             <p:nvSpPr>
               <p:cNvPr id="15" name="CuadroTexto 14">
@@ -37576,8 +37567,8 @@
           </p:sp>
         </mc:Fallback>
       </mc:AlternateContent>
-      <mc:AlternateContent xmlns:mc="http://schemas.openxmlformats.org/markup-compatibility/2006">
-        <mc:Choice xmlns:a14="http://schemas.microsoft.com/office/drawing/2010/main" Requires="a14">
+      <mc:AlternateContent xmlns:mc="http://schemas.openxmlformats.org/markup-compatibility/2006" xmlns:a14="http://schemas.microsoft.com/office/drawing/2010/main">
+        <mc:Choice Requires="a14">
           <p:sp>
             <p:nvSpPr>
               <p:cNvPr id="6" name="Rectángulo 5">
@@ -37748,7 +37739,7 @@
             </p:txBody>
           </p:sp>
         </mc:Choice>
-        <mc:Fallback>
+        <mc:Fallback xmlns="">
           <p:sp>
             <p:nvSpPr>
               <p:cNvPr id="6" name="Rectángulo 5">
@@ -37793,8 +37784,8 @@
           </p:sp>
         </mc:Fallback>
       </mc:AlternateContent>
-      <mc:AlternateContent xmlns:mc="http://schemas.openxmlformats.org/markup-compatibility/2006">
-        <mc:Choice xmlns:a14="http://schemas.microsoft.com/office/drawing/2010/main" Requires="a14">
+      <mc:AlternateContent xmlns:mc="http://schemas.openxmlformats.org/markup-compatibility/2006" xmlns:a14="http://schemas.microsoft.com/office/drawing/2010/main">
+        <mc:Choice Requires="a14">
           <p:sp>
             <p:nvSpPr>
               <p:cNvPr id="7" name="Rectángulo 6">
@@ -37953,7 +37944,7 @@
             </p:txBody>
           </p:sp>
         </mc:Choice>
-        <mc:Fallback>
+        <mc:Fallback xmlns="">
           <p:sp>
             <p:nvSpPr>
               <p:cNvPr id="7" name="Rectángulo 6">
@@ -38208,8 +38199,8 @@
           </a:p>
         </p:txBody>
       </p:sp>
-      <mc:AlternateContent xmlns:mc="http://schemas.openxmlformats.org/markup-compatibility/2006">
-        <mc:Choice xmlns:a14="http://schemas.microsoft.com/office/drawing/2010/main" Requires="a14">
+      <mc:AlternateContent xmlns:mc="http://schemas.openxmlformats.org/markup-compatibility/2006" xmlns:a14="http://schemas.microsoft.com/office/drawing/2010/main">
+        <mc:Choice Requires="a14">
           <p:sp>
             <p:nvSpPr>
               <p:cNvPr id="22" name="CuadroTexto 21">
@@ -38238,6 +38229,7 @@
               </a:bodyPr>
               <a:lstStyle/>
               <a:p>
+                <a:pPr/>
                 <a14:m>
                   <m:oMathPara xmlns:m="http://schemas.openxmlformats.org/officeDocument/2006/math">
                     <m:oMathParaPr>
@@ -38324,7 +38316,7 @@
             </p:txBody>
           </p:sp>
         </mc:Choice>
-        <mc:Fallback>
+        <mc:Fallback xmlns="">
           <p:sp>
             <p:nvSpPr>
               <p:cNvPr id="22" name="CuadroTexto 21">
@@ -38369,8 +38361,8 @@
           </p:sp>
         </mc:Fallback>
       </mc:AlternateContent>
-      <mc:AlternateContent xmlns:mc="http://schemas.openxmlformats.org/markup-compatibility/2006">
-        <mc:Choice xmlns:a14="http://schemas.microsoft.com/office/drawing/2010/main" Requires="a14">
+      <mc:AlternateContent xmlns:mc="http://schemas.openxmlformats.org/markup-compatibility/2006" xmlns:a14="http://schemas.microsoft.com/office/drawing/2010/main">
+        <mc:Choice Requires="a14">
           <p:sp>
             <p:nvSpPr>
               <p:cNvPr id="23" name="CuadroTexto 22">
@@ -38399,6 +38391,7 @@
               </a:bodyPr>
               <a:lstStyle/>
               <a:p>
+                <a:pPr/>
                 <a14:m>
                   <m:oMathPara xmlns:m="http://schemas.openxmlformats.org/officeDocument/2006/math">
                     <m:oMathParaPr>
@@ -38497,7 +38490,7 @@
             </p:txBody>
           </p:sp>
         </mc:Choice>
-        <mc:Fallback>
+        <mc:Fallback xmlns="">
           <p:sp>
             <p:nvSpPr>
               <p:cNvPr id="23" name="CuadroTexto 22">
@@ -38758,8 +38751,8 @@
           </a:p>
         </p:txBody>
       </p:sp>
-      <mc:AlternateContent xmlns:mc="http://schemas.openxmlformats.org/markup-compatibility/2006">
-        <mc:Choice xmlns:a14="http://schemas.microsoft.com/office/drawing/2010/main" Requires="a14">
+      <mc:AlternateContent xmlns:mc="http://schemas.openxmlformats.org/markup-compatibility/2006" xmlns:a14="http://schemas.microsoft.com/office/drawing/2010/main">
+        <mc:Choice Requires="a14">
           <p:sp>
             <p:nvSpPr>
               <p:cNvPr id="29" name="CuadroTexto 28">
@@ -38788,6 +38781,7 @@
               </a:bodyPr>
               <a:lstStyle/>
               <a:p>
+                <a:pPr/>
                 <a14:m>
                   <m:oMathPara xmlns:m="http://schemas.openxmlformats.org/officeDocument/2006/math">
                     <m:oMathParaPr>
@@ -38825,7 +38819,7 @@
             </p:txBody>
           </p:sp>
         </mc:Choice>
-        <mc:Fallback>
+        <mc:Fallback xmlns="">
           <p:sp>
             <p:nvSpPr>
               <p:cNvPr id="29" name="CuadroTexto 28">
@@ -38870,8 +38864,8 @@
           </p:sp>
         </mc:Fallback>
       </mc:AlternateContent>
-      <mc:AlternateContent xmlns:mc="http://schemas.openxmlformats.org/markup-compatibility/2006">
-        <mc:Choice xmlns:a14="http://schemas.microsoft.com/office/drawing/2010/main" Requires="a14">
+      <mc:AlternateContent xmlns:mc="http://schemas.openxmlformats.org/markup-compatibility/2006" xmlns:a14="http://schemas.microsoft.com/office/drawing/2010/main">
+        <mc:Choice Requires="a14">
           <p:sp>
             <p:nvSpPr>
               <p:cNvPr id="30" name="CuadroTexto 29">
@@ -38900,6 +38894,7 @@
               </a:bodyPr>
               <a:lstStyle/>
               <a:p>
+                <a:pPr/>
                 <a14:m>
                   <m:oMathPara xmlns:m="http://schemas.openxmlformats.org/officeDocument/2006/math">
                     <m:oMathParaPr>
@@ -38961,7 +38956,7 @@
             </p:txBody>
           </p:sp>
         </mc:Choice>
-        <mc:Fallback>
+        <mc:Fallback xmlns="">
           <p:sp>
             <p:nvSpPr>
               <p:cNvPr id="30" name="CuadroTexto 29">
@@ -40229,8 +40224,8 @@
           </a:prstGeom>
         </p:spPr>
       </p:pic>
-      <mc:AlternateContent xmlns:mc="http://schemas.openxmlformats.org/markup-compatibility/2006">
-        <mc:Choice xmlns:a14="http://schemas.microsoft.com/office/drawing/2010/main" Requires="a14">
+      <mc:AlternateContent xmlns:mc="http://schemas.openxmlformats.org/markup-compatibility/2006" xmlns:a14="http://schemas.microsoft.com/office/drawing/2010/main">
+        <mc:Choice Requires="a14">
           <p:sp>
             <p:nvSpPr>
               <p:cNvPr id="11" name="11 Marcador de contenido">
@@ -40762,7 +40757,7 @@
             </p:txBody>
           </p:sp>
         </mc:Choice>
-        <mc:Fallback>
+        <mc:Fallback xmlns="">
           <p:sp>
             <p:nvSpPr>
               <p:cNvPr id="11" name="11 Marcador de contenido">
@@ -41335,8 +41330,8 @@
           </a:prstGeom>
         </p:spPr>
       </p:pic>
-      <mc:AlternateContent xmlns:mc="http://schemas.openxmlformats.org/markup-compatibility/2006">
-        <mc:Choice xmlns:a14="http://schemas.microsoft.com/office/drawing/2010/main" Requires="a14">
+      <mc:AlternateContent xmlns:mc="http://schemas.openxmlformats.org/markup-compatibility/2006" xmlns:a14="http://schemas.microsoft.com/office/drawing/2010/main">
+        <mc:Choice Requires="a14">
           <p:sp>
             <p:nvSpPr>
               <p:cNvPr id="11" name="11 Marcador de contenido">
@@ -41883,7 +41878,7 @@
             </p:txBody>
           </p:sp>
         </mc:Choice>
-        <mc:Fallback>
+        <mc:Fallback xmlns="">
           <p:sp>
             <p:nvSpPr>
               <p:cNvPr id="11" name="11 Marcador de contenido">
@@ -42967,8 +42962,8 @@
           </a:p>
         </p:txBody>
       </p:sp>
-      <mc:AlternateContent xmlns:mc="http://schemas.openxmlformats.org/markup-compatibility/2006">
-        <mc:Choice xmlns:a14="http://schemas.microsoft.com/office/drawing/2010/main" Requires="a14">
+      <mc:AlternateContent xmlns:mc="http://schemas.openxmlformats.org/markup-compatibility/2006" xmlns:a14="http://schemas.microsoft.com/office/drawing/2010/main">
+        <mc:Choice Requires="a14">
           <p:sp>
             <p:nvSpPr>
               <p:cNvPr id="5" name="CuadroTexto 4">
@@ -42997,6 +42992,7 @@
               </a:bodyPr>
               <a:lstStyle/>
               <a:p>
+                <a:pPr/>
                 <a14:m>
                   <m:oMathPara xmlns:m="http://schemas.openxmlformats.org/officeDocument/2006/math">
                     <m:oMathParaPr>
@@ -43145,7 +43141,7 @@
             </p:txBody>
           </p:sp>
         </mc:Choice>
-        <mc:Fallback>
+        <mc:Fallback xmlns="">
           <p:sp>
             <p:nvSpPr>
               <p:cNvPr id="5" name="CuadroTexto 4">
@@ -43190,8 +43186,8 @@
           </p:sp>
         </mc:Fallback>
       </mc:AlternateContent>
-      <mc:AlternateContent xmlns:mc="http://schemas.openxmlformats.org/markup-compatibility/2006">
-        <mc:Choice xmlns:a14="http://schemas.microsoft.com/office/drawing/2010/main" Requires="a14">
+      <mc:AlternateContent xmlns:mc="http://schemas.openxmlformats.org/markup-compatibility/2006" xmlns:a14="http://schemas.microsoft.com/office/drawing/2010/main">
+        <mc:Choice Requires="a14">
           <p:sp>
             <p:nvSpPr>
               <p:cNvPr id="17" name="CuadroTexto 16">
@@ -43220,6 +43216,7 @@
               </a:bodyPr>
               <a:lstStyle/>
               <a:p>
+                <a:pPr/>
                 <a14:m>
                   <m:oMathPara xmlns:m="http://schemas.openxmlformats.org/officeDocument/2006/math">
                     <m:oMathParaPr>
@@ -43313,7 +43310,7 @@
             </p:txBody>
           </p:sp>
         </mc:Choice>
-        <mc:Fallback>
+        <mc:Fallback xmlns="">
           <p:sp>
             <p:nvSpPr>
               <p:cNvPr id="17" name="CuadroTexto 16">
@@ -43358,8 +43355,8 @@
           </p:sp>
         </mc:Fallback>
       </mc:AlternateContent>
-      <mc:AlternateContent xmlns:mc="http://schemas.openxmlformats.org/markup-compatibility/2006">
-        <mc:Choice xmlns:a14="http://schemas.microsoft.com/office/drawing/2010/main" Requires="a14">
+      <mc:AlternateContent xmlns:mc="http://schemas.openxmlformats.org/markup-compatibility/2006" xmlns:a14="http://schemas.microsoft.com/office/drawing/2010/main">
+        <mc:Choice Requires="a14">
           <p:sp>
             <p:nvSpPr>
               <p:cNvPr id="18" name="CuadroTexto 17">
@@ -43388,6 +43385,7 @@
               </a:bodyPr>
               <a:lstStyle/>
               <a:p>
+                <a:pPr/>
                 <a14:m>
                   <m:oMathPara xmlns:m="http://schemas.openxmlformats.org/officeDocument/2006/math">
                     <m:oMathParaPr>
@@ -43503,7 +43501,7 @@
             </p:txBody>
           </p:sp>
         </mc:Choice>
-        <mc:Fallback>
+        <mc:Fallback xmlns="">
           <p:sp>
             <p:nvSpPr>
               <p:cNvPr id="18" name="CuadroTexto 17">
@@ -43548,8 +43546,8 @@
           </p:sp>
         </mc:Fallback>
       </mc:AlternateContent>
-      <mc:AlternateContent xmlns:mc="http://schemas.openxmlformats.org/markup-compatibility/2006">
-        <mc:Choice xmlns:a14="http://schemas.microsoft.com/office/drawing/2010/main" Requires="a14">
+      <mc:AlternateContent xmlns:mc="http://schemas.openxmlformats.org/markup-compatibility/2006" xmlns:a14="http://schemas.microsoft.com/office/drawing/2010/main">
+        <mc:Choice Requires="a14">
           <p:sp>
             <p:nvSpPr>
               <p:cNvPr id="20" name="CuadroTexto 19">
@@ -43578,6 +43576,7 @@
               </a:bodyPr>
               <a:lstStyle/>
               <a:p>
+                <a:pPr/>
                 <a14:m>
                   <m:oMathPara xmlns:m="http://schemas.openxmlformats.org/officeDocument/2006/math">
                     <m:oMathParaPr>
@@ -43751,7 +43750,7 @@
             </p:txBody>
           </p:sp>
         </mc:Choice>
-        <mc:Fallback>
+        <mc:Fallback xmlns="">
           <p:sp>
             <p:nvSpPr>
               <p:cNvPr id="20" name="CuadroTexto 19">
@@ -43796,8 +43795,8 @@
           </p:sp>
         </mc:Fallback>
       </mc:AlternateContent>
-      <mc:AlternateContent xmlns:mc="http://schemas.openxmlformats.org/markup-compatibility/2006">
-        <mc:Choice xmlns:a14="http://schemas.microsoft.com/office/drawing/2010/main" Requires="a14">
+      <mc:AlternateContent xmlns:mc="http://schemas.openxmlformats.org/markup-compatibility/2006" xmlns:a14="http://schemas.microsoft.com/office/drawing/2010/main">
+        <mc:Choice Requires="a14">
           <p:sp>
             <p:nvSpPr>
               <p:cNvPr id="21" name="CuadroTexto 20">
@@ -43826,6 +43825,7 @@
               </a:bodyPr>
               <a:lstStyle/>
               <a:p>
+                <a:pPr/>
                 <a14:m>
                   <m:oMathPara xmlns:m="http://schemas.openxmlformats.org/officeDocument/2006/math">
                     <m:oMathParaPr>
@@ -43901,7 +43901,7 @@
             </p:txBody>
           </p:sp>
         </mc:Choice>
-        <mc:Fallback>
+        <mc:Fallback xmlns="">
           <p:sp>
             <p:nvSpPr>
               <p:cNvPr id="21" name="CuadroTexto 20">
@@ -43946,8 +43946,8 @@
           </p:sp>
         </mc:Fallback>
       </mc:AlternateContent>
-      <mc:AlternateContent xmlns:mc="http://schemas.openxmlformats.org/markup-compatibility/2006">
-        <mc:Choice xmlns:a14="http://schemas.microsoft.com/office/drawing/2010/main" Requires="a14">
+      <mc:AlternateContent xmlns:mc="http://schemas.openxmlformats.org/markup-compatibility/2006" xmlns:a14="http://schemas.microsoft.com/office/drawing/2010/main">
+        <mc:Choice Requires="a14">
           <p:sp>
             <p:nvSpPr>
               <p:cNvPr id="22" name="CuadroTexto 21">
@@ -43976,6 +43976,7 @@
               </a:bodyPr>
               <a:lstStyle/>
               <a:p>
+                <a:pPr/>
                 <a14:m>
                   <m:oMathPara xmlns:m="http://schemas.openxmlformats.org/officeDocument/2006/math">
                     <m:oMathParaPr>
@@ -44104,7 +44105,7 @@
             </p:txBody>
           </p:sp>
         </mc:Choice>
-        <mc:Fallback>
+        <mc:Fallback xmlns="">
           <p:sp>
             <p:nvSpPr>
               <p:cNvPr id="22" name="CuadroTexto 21">
